--- a/Output/surfgrasspca.pptx
+++ b/Output/surfgrasspca.pptx
@@ -6,6 +6,7 @@
   </p:sldMasterIdLst>
   <p:sldIdLst>
     <p:sldId id="256" r:id="rId2"/>
+    <p:sldId id="257" r:id="rId3"/>
   </p:sldIdLst>
   <p:sldSz cx="12192000" cy="6858000"/>
   <p:notesSz cx="6858000" cy="9144000"/>
@@ -259,7 +260,7 @@
           <a:p>
             <a:fld id="{CA410B4E-7D17-734D-A9E6-F036B5CECA49}" type="datetimeFigureOut">
               <a:rPr lang="en-US" smtClean="0"/>
-              <a:t>11/25/20</a:t>
+              <a:t>12/6/20</a:t>
             </a:fld>
             <a:endParaRPr lang="en-US"/>
           </a:p>
@@ -457,7 +458,7 @@
           <a:p>
             <a:fld id="{CA410B4E-7D17-734D-A9E6-F036B5CECA49}" type="datetimeFigureOut">
               <a:rPr lang="en-US" smtClean="0"/>
-              <a:t>11/25/20</a:t>
+              <a:t>12/6/20</a:t>
             </a:fld>
             <a:endParaRPr lang="en-US"/>
           </a:p>
@@ -665,7 +666,7 @@
           <a:p>
             <a:fld id="{CA410B4E-7D17-734D-A9E6-F036B5CECA49}" type="datetimeFigureOut">
               <a:rPr lang="en-US" smtClean="0"/>
-              <a:t>11/25/20</a:t>
+              <a:t>12/6/20</a:t>
             </a:fld>
             <a:endParaRPr lang="en-US"/>
           </a:p>
@@ -863,7 +864,7 @@
           <a:p>
             <a:fld id="{CA410B4E-7D17-734D-A9E6-F036B5CECA49}" type="datetimeFigureOut">
               <a:rPr lang="en-US" smtClean="0"/>
-              <a:t>11/25/20</a:t>
+              <a:t>12/6/20</a:t>
             </a:fld>
             <a:endParaRPr lang="en-US"/>
           </a:p>
@@ -1138,7 +1139,7 @@
           <a:p>
             <a:fld id="{CA410B4E-7D17-734D-A9E6-F036B5CECA49}" type="datetimeFigureOut">
               <a:rPr lang="en-US" smtClean="0"/>
-              <a:t>11/25/20</a:t>
+              <a:t>12/6/20</a:t>
             </a:fld>
             <a:endParaRPr lang="en-US"/>
           </a:p>
@@ -1403,7 +1404,7 @@
           <a:p>
             <a:fld id="{CA410B4E-7D17-734D-A9E6-F036B5CECA49}" type="datetimeFigureOut">
               <a:rPr lang="en-US" smtClean="0"/>
-              <a:t>11/25/20</a:t>
+              <a:t>12/6/20</a:t>
             </a:fld>
             <a:endParaRPr lang="en-US"/>
           </a:p>
@@ -1815,7 +1816,7 @@
           <a:p>
             <a:fld id="{CA410B4E-7D17-734D-A9E6-F036B5CECA49}" type="datetimeFigureOut">
               <a:rPr lang="en-US" smtClean="0"/>
-              <a:t>11/25/20</a:t>
+              <a:t>12/6/20</a:t>
             </a:fld>
             <a:endParaRPr lang="en-US"/>
           </a:p>
@@ -1956,7 +1957,7 @@
           <a:p>
             <a:fld id="{CA410B4E-7D17-734D-A9E6-F036B5CECA49}" type="datetimeFigureOut">
               <a:rPr lang="en-US" smtClean="0"/>
-              <a:t>11/25/20</a:t>
+              <a:t>12/6/20</a:t>
             </a:fld>
             <a:endParaRPr lang="en-US"/>
           </a:p>
@@ -2069,7 +2070,7 @@
           <a:p>
             <a:fld id="{CA410B4E-7D17-734D-A9E6-F036B5CECA49}" type="datetimeFigureOut">
               <a:rPr lang="en-US" smtClean="0"/>
-              <a:t>11/25/20</a:t>
+              <a:t>12/6/20</a:t>
             </a:fld>
             <a:endParaRPr lang="en-US"/>
           </a:p>
@@ -2380,7 +2381,7 @@
           <a:p>
             <a:fld id="{CA410B4E-7D17-734D-A9E6-F036B5CECA49}" type="datetimeFigureOut">
               <a:rPr lang="en-US" smtClean="0"/>
-              <a:t>11/25/20</a:t>
+              <a:t>12/6/20</a:t>
             </a:fld>
             <a:endParaRPr lang="en-US"/>
           </a:p>
@@ -2668,7 +2669,7 @@
           <a:p>
             <a:fld id="{CA410B4E-7D17-734D-A9E6-F036B5CECA49}" type="datetimeFigureOut">
               <a:rPr lang="en-US" smtClean="0"/>
-              <a:t>11/25/20</a:t>
+              <a:t>12/6/20</a:t>
             </a:fld>
             <a:endParaRPr lang="en-US"/>
           </a:p>
@@ -2909,7 +2910,7 @@
           <a:p>
             <a:fld id="{CA410B4E-7D17-734D-A9E6-F036B5CECA49}" type="datetimeFigureOut">
               <a:rPr lang="en-US" smtClean="0"/>
-              <a:t>11/25/20</a:t>
+              <a:t>12/6/20</a:t>
             </a:fld>
             <a:endParaRPr lang="en-US"/>
           </a:p>
@@ -3671,10 +3672,694 @@
           </p:txBody>
         </p:sp>
       </p:grpSp>
+      <p:grpSp>
+        <p:nvGrpSpPr>
+          <p:cNvPr id="14" name="Group 13">
+            <a:extLst>
+              <a:ext uri="{FF2B5EF4-FFF2-40B4-BE49-F238E27FC236}">
+                <a16:creationId xmlns:a16="http://schemas.microsoft.com/office/drawing/2014/main" id="{7A3836EB-2F27-B347-B29E-4E8257BB5766}"/>
+              </a:ext>
+            </a:extLst>
+          </p:cNvPr>
+          <p:cNvGrpSpPr/>
+          <p:nvPr/>
+        </p:nvGrpSpPr>
+        <p:grpSpPr>
+          <a:xfrm>
+            <a:off x="4606991" y="518051"/>
+            <a:ext cx="2233304" cy="2486969"/>
+            <a:chOff x="570636" y="1038004"/>
+            <a:chExt cx="1759367" cy="2486969"/>
+          </a:xfrm>
+        </p:grpSpPr>
+        <p:sp>
+          <p:nvSpPr>
+            <p:cNvPr id="19" name="TextBox 18">
+              <a:extLst>
+                <a:ext uri="{FF2B5EF4-FFF2-40B4-BE49-F238E27FC236}">
+                  <a16:creationId xmlns:a16="http://schemas.microsoft.com/office/drawing/2014/main" id="{62D7FF6F-E33C-D948-8D15-53482152AD3B}"/>
+                </a:ext>
+              </a:extLst>
+            </p:cNvPr>
+            <p:cNvSpPr txBox="1"/>
+            <p:nvPr/>
+          </p:nvSpPr>
+          <p:spPr>
+            <a:xfrm>
+              <a:off x="746802" y="1805036"/>
+              <a:ext cx="1407038" cy="553998"/>
+            </a:xfrm>
+            <a:prstGeom prst="rect">
+              <a:avLst/>
+            </a:prstGeom>
+            <a:noFill/>
+            <a:ln>
+              <a:noFill/>
+            </a:ln>
+          </p:spPr>
+          <p:txBody>
+            <a:bodyPr wrap="none" rtlCol="0">
+              <a:spAutoFit/>
+            </a:bodyPr>
+            <a:lstStyle/>
+            <a:p>
+              <a:pPr algn="ctr"/>
+              <a:r>
+                <a:rPr lang="en-US" sz="3000" b="1" dirty="0">
+                  <a:solidFill>
+                    <a:srgbClr val="A5A5A5"/>
+                  </a:solidFill>
+                  <a:latin typeface="Helvetica" pitchFamily="2" charset="0"/>
+                </a:rPr>
+                <a:t>Removal</a:t>
+              </a:r>
+            </a:p>
+          </p:txBody>
+        </p:sp>
+        <p:sp>
+          <p:nvSpPr>
+            <p:cNvPr id="20" name="TextBox 19">
+              <a:extLst>
+                <a:ext uri="{FF2B5EF4-FFF2-40B4-BE49-F238E27FC236}">
+                  <a16:creationId xmlns:a16="http://schemas.microsoft.com/office/drawing/2014/main" id="{8B926F2B-FD54-784F-A926-A58428084540}"/>
+                </a:ext>
+              </a:extLst>
+            </p:cNvPr>
+            <p:cNvSpPr txBox="1"/>
+            <p:nvPr/>
+          </p:nvSpPr>
+          <p:spPr>
+            <a:xfrm>
+              <a:off x="838356" y="1406131"/>
+              <a:ext cx="1223929" cy="553998"/>
+            </a:xfrm>
+            <a:prstGeom prst="rect">
+              <a:avLst/>
+            </a:prstGeom>
+            <a:noFill/>
+          </p:spPr>
+          <p:txBody>
+            <a:bodyPr wrap="none" rtlCol="0">
+              <a:spAutoFit/>
+            </a:bodyPr>
+            <a:lstStyle/>
+            <a:p>
+              <a:pPr algn="ctr"/>
+              <a:r>
+                <a:rPr lang="en-US" sz="3000" b="1" dirty="0">
+                  <a:solidFill>
+                    <a:srgbClr val="197EA7"/>
+                  </a:solidFill>
+                  <a:latin typeface="Helvetica" pitchFamily="2" charset="0"/>
+                </a:rPr>
+                <a:t>Control</a:t>
+              </a:r>
+            </a:p>
+          </p:txBody>
+        </p:sp>
+        <p:sp>
+          <p:nvSpPr>
+            <p:cNvPr id="22" name="TextBox 21">
+              <a:extLst>
+                <a:ext uri="{FF2B5EF4-FFF2-40B4-BE49-F238E27FC236}">
+                  <a16:creationId xmlns:a16="http://schemas.microsoft.com/office/drawing/2014/main" id="{6A44DA9B-BFA2-AF42-8714-D4A4788BE727}"/>
+                </a:ext>
+              </a:extLst>
+            </p:cNvPr>
+            <p:cNvSpPr txBox="1"/>
+            <p:nvPr/>
+          </p:nvSpPr>
+          <p:spPr>
+            <a:xfrm>
+              <a:off x="898340" y="2572068"/>
+              <a:ext cx="1103962" cy="553998"/>
+            </a:xfrm>
+            <a:prstGeom prst="rect">
+              <a:avLst/>
+            </a:prstGeom>
+            <a:noFill/>
+          </p:spPr>
+          <p:txBody>
+            <a:bodyPr wrap="none" rtlCol="0">
+              <a:spAutoFit/>
+            </a:bodyPr>
+            <a:lstStyle/>
+            <a:p>
+              <a:pPr algn="ctr"/>
+              <a:r>
+                <a:rPr lang="en-US" sz="3000" b="1" dirty="0">
+                  <a:latin typeface="Helvetica" pitchFamily="2" charset="0"/>
+                </a:rPr>
+                <a:t>Before</a:t>
+              </a:r>
+            </a:p>
+          </p:txBody>
+        </p:sp>
+        <p:sp>
+          <p:nvSpPr>
+            <p:cNvPr id="23" name="Rectangle 22">
+              <a:extLst>
+                <a:ext uri="{FF2B5EF4-FFF2-40B4-BE49-F238E27FC236}">
+                  <a16:creationId xmlns:a16="http://schemas.microsoft.com/office/drawing/2014/main" id="{A534891F-8C9A-494E-AC44-4CDA10D767F7}"/>
+                </a:ext>
+              </a:extLst>
+            </p:cNvPr>
+            <p:cNvSpPr/>
+            <p:nvPr/>
+          </p:nvSpPr>
+          <p:spPr>
+            <a:xfrm>
+              <a:off x="951625" y="2970975"/>
+              <a:ext cx="997390" cy="553998"/>
+            </a:xfrm>
+            <a:prstGeom prst="rect">
+              <a:avLst/>
+            </a:prstGeom>
+            <a:noFill/>
+          </p:spPr>
+          <p:txBody>
+            <a:bodyPr wrap="square" lIns="91440" tIns="45720" rIns="91440" bIns="45720">
+              <a:spAutoFit/>
+            </a:bodyPr>
+            <a:lstStyle/>
+            <a:p>
+              <a:pPr algn="ctr"/>
+              <a:r>
+                <a:rPr lang="en-US" sz="3000" b="1" cap="none" spc="0" dirty="0">
+                  <a:ln w="10160">
+                    <a:solidFill>
+                      <a:schemeClr val="tx1"/>
+                    </a:solidFill>
+                    <a:prstDash val="solid"/>
+                  </a:ln>
+                  <a:noFill/>
+                  <a:latin typeface="Helvetica" pitchFamily="2" charset="0"/>
+                </a:rPr>
+                <a:t>After</a:t>
+              </a:r>
+              <a:endParaRPr lang="en-US" sz="3000" b="1" cap="none" spc="0" dirty="0">
+                <a:ln w="10160">
+                  <a:solidFill>
+                    <a:schemeClr val="tx1"/>
+                  </a:solidFill>
+                  <a:prstDash val="solid"/>
+                </a:ln>
+                <a:noFill/>
+              </a:endParaRPr>
+            </a:p>
+          </p:txBody>
+        </p:sp>
+        <p:sp>
+          <p:nvSpPr>
+            <p:cNvPr id="24" name="TextBox 23">
+              <a:extLst>
+                <a:ext uri="{FF2B5EF4-FFF2-40B4-BE49-F238E27FC236}">
+                  <a16:creationId xmlns:a16="http://schemas.microsoft.com/office/drawing/2014/main" id="{ABF2F8F4-1166-1D47-BCCE-13FA5A0D66C9}"/>
+                </a:ext>
+              </a:extLst>
+            </p:cNvPr>
+            <p:cNvSpPr txBox="1"/>
+            <p:nvPr/>
+          </p:nvSpPr>
+          <p:spPr>
+            <a:xfrm>
+              <a:off x="570636" y="1038004"/>
+              <a:ext cx="1759367" cy="553998"/>
+            </a:xfrm>
+            <a:prstGeom prst="rect">
+              <a:avLst/>
+            </a:prstGeom>
+            <a:noFill/>
+          </p:spPr>
+          <p:txBody>
+            <a:bodyPr wrap="none" rtlCol="0">
+              <a:spAutoFit/>
+            </a:bodyPr>
+            <a:lstStyle/>
+            <a:p>
+              <a:pPr algn="ctr"/>
+              <a:r>
+                <a:rPr lang="en-US" sz="3000" u="sng" dirty="0">
+                  <a:latin typeface="Helvetica" pitchFamily="2" charset="0"/>
+                </a:rPr>
+                <a:t>Shape color</a:t>
+              </a:r>
+            </a:p>
+          </p:txBody>
+        </p:sp>
+        <p:sp>
+          <p:nvSpPr>
+            <p:cNvPr id="25" name="TextBox 24">
+              <a:extLst>
+                <a:ext uri="{FF2B5EF4-FFF2-40B4-BE49-F238E27FC236}">
+                  <a16:creationId xmlns:a16="http://schemas.microsoft.com/office/drawing/2014/main" id="{FE0C2402-1C15-D34B-B736-E6EAA479B551}"/>
+                </a:ext>
+              </a:extLst>
+            </p:cNvPr>
+            <p:cNvSpPr txBox="1"/>
+            <p:nvPr/>
+          </p:nvSpPr>
+          <p:spPr>
+            <a:xfrm>
+              <a:off x="755641" y="2203941"/>
+              <a:ext cx="1389359" cy="553998"/>
+            </a:xfrm>
+            <a:prstGeom prst="rect">
+              <a:avLst/>
+            </a:prstGeom>
+            <a:noFill/>
+          </p:spPr>
+          <p:txBody>
+            <a:bodyPr wrap="none" rtlCol="0">
+              <a:spAutoFit/>
+            </a:bodyPr>
+            <a:lstStyle/>
+            <a:p>
+              <a:pPr algn="ctr"/>
+              <a:r>
+                <a:rPr lang="en-US" sz="3000" u="sng" dirty="0">
+                  <a:latin typeface="Helvetica" pitchFamily="2" charset="0"/>
+                </a:rPr>
+                <a:t>Shape fill</a:t>
+              </a:r>
+            </a:p>
+          </p:txBody>
+        </p:sp>
+      </p:grpSp>
     </p:spTree>
     <p:extLst>
       <p:ext uri="{BB962C8B-B14F-4D97-AF65-F5344CB8AC3E}">
         <p14:creationId xmlns:p14="http://schemas.microsoft.com/office/powerpoint/2010/main" val="2368179583"/>
+      </p:ext>
+    </p:extLst>
+  </p:cSld>
+  <p:clrMapOvr>
+    <a:masterClrMapping/>
+  </p:clrMapOvr>
+</p:sld>
+</file>
+
+<file path=ppt/slides/slide2.xml><?xml version="1.0" encoding="utf-8"?>
+<p:sld xmlns:a="http://schemas.openxmlformats.org/drawingml/2006/main" xmlns:r="http://schemas.openxmlformats.org/officeDocument/2006/relationships" xmlns:p="http://schemas.openxmlformats.org/presentationml/2006/main">
+  <p:cSld>
+    <p:spTree>
+      <p:nvGrpSpPr>
+        <p:cNvPr id="1" name=""/>
+        <p:cNvGrpSpPr/>
+        <p:nvPr/>
+      </p:nvGrpSpPr>
+      <p:grpSpPr>
+        <a:xfrm>
+          <a:off x="0" y="0"/>
+          <a:ext cx="0" cy="0"/>
+          <a:chOff x="0" y="0"/>
+          <a:chExt cx="0" cy="0"/>
+        </a:xfrm>
+      </p:grpSpPr>
+      <p:pic>
+        <p:nvPicPr>
+          <p:cNvPr id="8" name="Picture 7">
+            <a:extLst>
+              <a:ext uri="{FF2B5EF4-FFF2-40B4-BE49-F238E27FC236}">
+                <a16:creationId xmlns:a16="http://schemas.microsoft.com/office/drawing/2014/main" id="{BC7C2778-0440-7E4A-BF42-832C6C0F09F9}"/>
+              </a:ext>
+            </a:extLst>
+          </p:cNvPr>
+          <p:cNvPicPr>
+            <a:picLocks noChangeAspect="1"/>
+          </p:cNvPicPr>
+          <p:nvPr/>
+        </p:nvPicPr>
+        <p:blipFill>
+          <a:blip r:embed="rId2"/>
+          <a:stretch>
+            <a:fillRect/>
+          </a:stretch>
+        </p:blipFill>
+        <p:spPr>
+          <a:xfrm>
+            <a:off x="0" y="5163671"/>
+            <a:ext cx="3887295" cy="1385570"/>
+          </a:xfrm>
+          <a:prstGeom prst="rect">
+            <a:avLst/>
+          </a:prstGeom>
+        </p:spPr>
+      </p:pic>
+      <p:sp>
+        <p:nvSpPr>
+          <p:cNvPr id="9" name="TextBox 8">
+            <a:extLst>
+              <a:ext uri="{FF2B5EF4-FFF2-40B4-BE49-F238E27FC236}">
+                <a16:creationId xmlns:a16="http://schemas.microsoft.com/office/drawing/2014/main" id="{362BA5D0-4CCC-764C-80CA-EB7CE8E5A898}"/>
+              </a:ext>
+            </a:extLst>
+          </p:cNvPr>
+          <p:cNvSpPr txBox="1"/>
+          <p:nvPr/>
+        </p:nvSpPr>
+        <p:spPr>
+          <a:xfrm>
+            <a:off x="7530353" y="5071926"/>
+            <a:ext cx="2247731" cy="1938992"/>
+          </a:xfrm>
+          <a:prstGeom prst="rect">
+            <a:avLst/>
+          </a:prstGeom>
+          <a:noFill/>
+        </p:spPr>
+        <p:txBody>
+          <a:bodyPr wrap="none" rtlCol="0">
+            <a:spAutoFit/>
+          </a:bodyPr>
+          <a:lstStyle/>
+          <a:p>
+            <a:pPr algn="ctr"/>
+            <a:r>
+              <a:rPr lang="en-US" sz="3000" u="sng" dirty="0">
+                <a:latin typeface="Helvetica" pitchFamily="2" charset="0"/>
+              </a:rPr>
+              <a:t>Shape color</a:t>
+            </a:r>
+          </a:p>
+          <a:p>
+            <a:r>
+              <a:rPr lang="en-US" sz="3000" b="1" dirty="0">
+                <a:solidFill>
+                  <a:srgbClr val="C6DBEF"/>
+                </a:solidFill>
+                <a:latin typeface="Helvetica" pitchFamily="2" charset="0"/>
+              </a:rPr>
+              <a:t>Carnivores</a:t>
+            </a:r>
+          </a:p>
+          <a:p>
+            <a:r>
+              <a:rPr lang="en-US" sz="3000" b="1" dirty="0">
+                <a:solidFill>
+                  <a:srgbClr val="67A9CF"/>
+                </a:solidFill>
+                <a:latin typeface="Helvetica" pitchFamily="2" charset="0"/>
+              </a:rPr>
+              <a:t>Herbivores</a:t>
+            </a:r>
+          </a:p>
+          <a:p>
+            <a:r>
+              <a:rPr lang="en-US" sz="3000" b="1" dirty="0">
+                <a:solidFill>
+                  <a:srgbClr val="156C58"/>
+                </a:solidFill>
+                <a:latin typeface="Helvetica" pitchFamily="2" charset="0"/>
+              </a:rPr>
+              <a:t>Omnivores</a:t>
+            </a:r>
+          </a:p>
+        </p:txBody>
+      </p:sp>
+      <p:pic>
+        <p:nvPicPr>
+          <p:cNvPr id="11" name="Picture 10">
+            <a:extLst>
+              <a:ext uri="{FF2B5EF4-FFF2-40B4-BE49-F238E27FC236}">
+                <a16:creationId xmlns:a16="http://schemas.microsoft.com/office/drawing/2014/main" id="{21FB0486-3160-2C48-8A35-8DF5951B6EE9}"/>
+              </a:ext>
+            </a:extLst>
+          </p:cNvPr>
+          <p:cNvPicPr>
+            <a:picLocks noChangeAspect="1"/>
+          </p:cNvPicPr>
+          <p:nvPr/>
+        </p:nvPicPr>
+        <p:blipFill>
+          <a:blip r:embed="rId3"/>
+          <a:stretch>
+            <a:fillRect/>
+          </a:stretch>
+        </p:blipFill>
+        <p:spPr>
+          <a:xfrm>
+            <a:off x="5277024" y="5840098"/>
+            <a:ext cx="863600" cy="520700"/>
+          </a:xfrm>
+          <a:prstGeom prst="rect">
+            <a:avLst/>
+          </a:prstGeom>
+        </p:spPr>
+      </p:pic>
+      <p:grpSp>
+        <p:nvGrpSpPr>
+          <p:cNvPr id="15" name="Group 14">
+            <a:extLst>
+              <a:ext uri="{FF2B5EF4-FFF2-40B4-BE49-F238E27FC236}">
+                <a16:creationId xmlns:a16="http://schemas.microsoft.com/office/drawing/2014/main" id="{302B4871-FCCD-D441-9CE6-F14D67036EF8}"/>
+              </a:ext>
+            </a:extLst>
+          </p:cNvPr>
+          <p:cNvGrpSpPr/>
+          <p:nvPr/>
+        </p:nvGrpSpPr>
+        <p:grpSpPr>
+          <a:xfrm>
+            <a:off x="861392" y="133233"/>
+            <a:ext cx="10558463" cy="5269478"/>
+            <a:chOff x="861392" y="133233"/>
+            <a:chExt cx="10558463" cy="5269478"/>
+          </a:xfrm>
+        </p:grpSpPr>
+        <p:sp>
+          <p:nvSpPr>
+            <p:cNvPr id="6" name="TextBox 5">
+              <a:extLst>
+                <a:ext uri="{FF2B5EF4-FFF2-40B4-BE49-F238E27FC236}">
+                  <a16:creationId xmlns:a16="http://schemas.microsoft.com/office/drawing/2014/main" id="{2DC32575-486A-764E-96BD-66AD48B481B5}"/>
+                </a:ext>
+              </a:extLst>
+            </p:cNvPr>
+            <p:cNvSpPr txBox="1"/>
+            <p:nvPr/>
+          </p:nvSpPr>
+          <p:spPr>
+            <a:xfrm>
+              <a:off x="861392" y="693730"/>
+              <a:ext cx="10558463" cy="4708981"/>
+            </a:xfrm>
+            <a:prstGeom prst="rect">
+              <a:avLst/>
+            </a:prstGeom>
+            <a:noFill/>
+          </p:spPr>
+          <p:txBody>
+            <a:bodyPr wrap="square" numCol="2" rtlCol="0">
+              <a:spAutoFit/>
+            </a:bodyPr>
+            <a:lstStyle/>
+            <a:p>
+              <a:r>
+                <a:rPr lang="en-US" sz="3000" b="1" dirty="0">
+                  <a:solidFill>
+                    <a:srgbClr val="6BAED6"/>
+                  </a:solidFill>
+                  <a:latin typeface="Helvetica" pitchFamily="2" charset="0"/>
+                </a:rPr>
+                <a:t>Microalgae</a:t>
+              </a:r>
+            </a:p>
+            <a:p>
+              <a:r>
+                <a:rPr lang="en-US" sz="3000" b="1" dirty="0">
+                  <a:solidFill>
+                    <a:srgbClr val="C7EAC0"/>
+                  </a:solidFill>
+                  <a:latin typeface="Helvetica" pitchFamily="2" charset="0"/>
+                </a:rPr>
+                <a:t>Filamentous</a:t>
+              </a:r>
+            </a:p>
+            <a:p>
+              <a:r>
+                <a:rPr lang="en-US" sz="3000" b="1" dirty="0">
+                  <a:solidFill>
+                    <a:srgbClr val="A1D99B"/>
+                  </a:solidFill>
+                  <a:latin typeface="Helvetica" pitchFamily="2" charset="0"/>
+                </a:rPr>
+                <a:t>Foliose</a:t>
+              </a:r>
+            </a:p>
+            <a:p>
+              <a:r>
+                <a:rPr lang="en-US" sz="3000" b="1" dirty="0">
+                  <a:solidFill>
+                    <a:srgbClr val="31A454"/>
+                  </a:solidFill>
+                  <a:latin typeface="Helvetica" pitchFamily="2" charset="0"/>
+                </a:rPr>
+                <a:t>Corticated foliose</a:t>
+              </a:r>
+            </a:p>
+            <a:p>
+              <a:r>
+                <a:rPr lang="en-US" sz="3000" b="1" dirty="0">
+                  <a:solidFill>
+                    <a:srgbClr val="A50F14"/>
+                  </a:solidFill>
+                  <a:latin typeface="Helvetica" pitchFamily="2" charset="0"/>
+                </a:rPr>
+                <a:t>Corticated macroalgae</a:t>
+              </a:r>
+              <a:endParaRPr lang="en-US" sz="3000" b="1" dirty="0">
+                <a:solidFill>
+                  <a:srgbClr val="156D2B"/>
+                </a:solidFill>
+                <a:latin typeface="Helvetica" pitchFamily="2" charset="0"/>
+              </a:endParaRPr>
+            </a:p>
+            <a:p>
+              <a:endParaRPr lang="en-US" sz="3000" b="1" dirty="0">
+                <a:solidFill>
+                  <a:srgbClr val="156D2B"/>
+                </a:solidFill>
+                <a:latin typeface="Helvetica" pitchFamily="2" charset="0"/>
+              </a:endParaRPr>
+            </a:p>
+            <a:p>
+              <a:endParaRPr lang="en-US" sz="3000" b="1" dirty="0">
+                <a:solidFill>
+                  <a:srgbClr val="156D2B"/>
+                </a:solidFill>
+                <a:latin typeface="Helvetica" pitchFamily="2" charset="0"/>
+              </a:endParaRPr>
+            </a:p>
+            <a:p>
+              <a:endParaRPr lang="en-US" sz="3000" b="1" dirty="0">
+                <a:solidFill>
+                  <a:srgbClr val="156D2B"/>
+                </a:solidFill>
+                <a:latin typeface="Helvetica" pitchFamily="2" charset="0"/>
+              </a:endParaRPr>
+            </a:p>
+            <a:p>
+              <a:endParaRPr lang="en-US" sz="3000" b="1" dirty="0">
+                <a:solidFill>
+                  <a:srgbClr val="156D2B"/>
+                </a:solidFill>
+                <a:latin typeface="Helvetica" pitchFamily="2" charset="0"/>
+              </a:endParaRPr>
+            </a:p>
+            <a:p>
+              <a:endParaRPr lang="en-US" sz="3000" b="1" dirty="0">
+                <a:solidFill>
+                  <a:srgbClr val="156D2B"/>
+                </a:solidFill>
+                <a:latin typeface="Helvetica" pitchFamily="2" charset="0"/>
+              </a:endParaRPr>
+            </a:p>
+            <a:p>
+              <a:r>
+                <a:rPr lang="en-US" sz="3000" b="1" dirty="0">
+                  <a:solidFill>
+                    <a:srgbClr val="156D2B"/>
+                  </a:solidFill>
+                  <a:latin typeface="Helvetica" pitchFamily="2" charset="0"/>
+                </a:rPr>
+                <a:t>Leathery macrophytes</a:t>
+              </a:r>
+            </a:p>
+            <a:p>
+              <a:r>
+                <a:rPr lang="en-US" sz="3000" b="1" dirty="0">
+                  <a:solidFill>
+                    <a:srgbClr val="C51A8A"/>
+                  </a:solidFill>
+                  <a:latin typeface="Helvetica" pitchFamily="2" charset="0"/>
+                </a:rPr>
+                <a:t>Articulated corallines</a:t>
+              </a:r>
+            </a:p>
+            <a:p>
+              <a:r>
+                <a:rPr lang="en-US" sz="3000" b="1" dirty="0">
+                  <a:solidFill>
+                    <a:srgbClr val="D4B9DA"/>
+                  </a:solidFill>
+                  <a:latin typeface="Helvetica" pitchFamily="2" charset="0"/>
+                </a:rPr>
+                <a:t>Crustose</a:t>
+              </a:r>
+              <a:endParaRPr lang="en-US" sz="3000" b="1" dirty="0">
+                <a:solidFill>
+                  <a:srgbClr val="156D2B"/>
+                </a:solidFill>
+                <a:latin typeface="Helvetica" pitchFamily="2" charset="0"/>
+              </a:endParaRPr>
+            </a:p>
+            <a:p>
+              <a:r>
+                <a:rPr lang="en-US" sz="3000" b="1" dirty="0">
+                  <a:solidFill>
+                    <a:srgbClr val="54268F"/>
+                  </a:solidFill>
+                  <a:latin typeface="Helvetica" pitchFamily="2" charset="0"/>
+                </a:rPr>
+                <a:t>Anemones</a:t>
+              </a:r>
+            </a:p>
+            <a:p>
+              <a:r>
+                <a:rPr lang="en-US" sz="3000" b="1" dirty="0">
+                  <a:solidFill>
+                    <a:srgbClr val="636363"/>
+                  </a:solidFill>
+                  <a:latin typeface="Helvetica" pitchFamily="2" charset="0"/>
+                </a:rPr>
+                <a:t>Suspension feeders</a:t>
+              </a:r>
+            </a:p>
+          </p:txBody>
+        </p:sp>
+        <p:sp>
+          <p:nvSpPr>
+            <p:cNvPr id="14" name="TextBox 13">
+              <a:extLst>
+                <a:ext uri="{FF2B5EF4-FFF2-40B4-BE49-F238E27FC236}">
+                  <a16:creationId xmlns:a16="http://schemas.microsoft.com/office/drawing/2014/main" id="{75A4B9AB-19BE-5246-A652-9AAA880455B7}"/>
+                </a:ext>
+              </a:extLst>
+            </p:cNvPr>
+            <p:cNvSpPr txBox="1"/>
+            <p:nvPr/>
+          </p:nvSpPr>
+          <p:spPr>
+            <a:xfrm>
+              <a:off x="4679326" y="133233"/>
+              <a:ext cx="2922595" cy="707886"/>
+            </a:xfrm>
+            <a:prstGeom prst="rect">
+              <a:avLst/>
+            </a:prstGeom>
+            <a:noFill/>
+          </p:spPr>
+          <p:txBody>
+            <a:bodyPr wrap="none" rtlCol="0">
+              <a:spAutoFit/>
+            </a:bodyPr>
+            <a:lstStyle/>
+            <a:p>
+              <a:r>
+                <a:rPr lang="en-US" sz="4000" u="sng" dirty="0">
+                  <a:latin typeface="Helvetica" pitchFamily="2" charset="0"/>
+                </a:rPr>
+                <a:t>Shape color</a:t>
+              </a:r>
+            </a:p>
+          </p:txBody>
+        </p:sp>
+      </p:grpSp>
+    </p:spTree>
+    <p:extLst>
+      <p:ext uri="{BB962C8B-B14F-4D97-AF65-F5344CB8AC3E}">
+        <p14:creationId xmlns:p14="http://schemas.microsoft.com/office/powerpoint/2010/main" val="2668740359"/>
       </p:ext>
     </p:extLst>
   </p:cSld>

--- a/Output/surfgrasspca.pptx
+++ b/Output/surfgrasspca.pptx
@@ -260,7 +260,7 @@
           <a:p>
             <a:fld id="{CA410B4E-7D17-734D-A9E6-F036B5CECA49}" type="datetimeFigureOut">
               <a:rPr lang="en-US" smtClean="0"/>
-              <a:t>12/6/20</a:t>
+              <a:t>12/19/20</a:t>
             </a:fld>
             <a:endParaRPr lang="en-US"/>
           </a:p>
@@ -458,7 +458,7 @@
           <a:p>
             <a:fld id="{CA410B4E-7D17-734D-A9E6-F036B5CECA49}" type="datetimeFigureOut">
               <a:rPr lang="en-US" smtClean="0"/>
-              <a:t>12/6/20</a:t>
+              <a:t>12/19/20</a:t>
             </a:fld>
             <a:endParaRPr lang="en-US"/>
           </a:p>
@@ -666,7 +666,7 @@
           <a:p>
             <a:fld id="{CA410B4E-7D17-734D-A9E6-F036B5CECA49}" type="datetimeFigureOut">
               <a:rPr lang="en-US" smtClean="0"/>
-              <a:t>12/6/20</a:t>
+              <a:t>12/19/20</a:t>
             </a:fld>
             <a:endParaRPr lang="en-US"/>
           </a:p>
@@ -864,7 +864,7 @@
           <a:p>
             <a:fld id="{CA410B4E-7D17-734D-A9E6-F036B5CECA49}" type="datetimeFigureOut">
               <a:rPr lang="en-US" smtClean="0"/>
-              <a:t>12/6/20</a:t>
+              <a:t>12/19/20</a:t>
             </a:fld>
             <a:endParaRPr lang="en-US"/>
           </a:p>
@@ -1139,7 +1139,7 @@
           <a:p>
             <a:fld id="{CA410B4E-7D17-734D-A9E6-F036B5CECA49}" type="datetimeFigureOut">
               <a:rPr lang="en-US" smtClean="0"/>
-              <a:t>12/6/20</a:t>
+              <a:t>12/19/20</a:t>
             </a:fld>
             <a:endParaRPr lang="en-US"/>
           </a:p>
@@ -1404,7 +1404,7 @@
           <a:p>
             <a:fld id="{CA410B4E-7D17-734D-A9E6-F036B5CECA49}" type="datetimeFigureOut">
               <a:rPr lang="en-US" smtClean="0"/>
-              <a:t>12/6/20</a:t>
+              <a:t>12/19/20</a:t>
             </a:fld>
             <a:endParaRPr lang="en-US"/>
           </a:p>
@@ -1816,7 +1816,7 @@
           <a:p>
             <a:fld id="{CA410B4E-7D17-734D-A9E6-F036B5CECA49}" type="datetimeFigureOut">
               <a:rPr lang="en-US" smtClean="0"/>
-              <a:t>12/6/20</a:t>
+              <a:t>12/19/20</a:t>
             </a:fld>
             <a:endParaRPr lang="en-US"/>
           </a:p>
@@ -1957,7 +1957,7 @@
           <a:p>
             <a:fld id="{CA410B4E-7D17-734D-A9E6-F036B5CECA49}" type="datetimeFigureOut">
               <a:rPr lang="en-US" smtClean="0"/>
-              <a:t>12/6/20</a:t>
+              <a:t>12/19/20</a:t>
             </a:fld>
             <a:endParaRPr lang="en-US"/>
           </a:p>
@@ -2070,7 +2070,7 @@
           <a:p>
             <a:fld id="{CA410B4E-7D17-734D-A9E6-F036B5CECA49}" type="datetimeFigureOut">
               <a:rPr lang="en-US" smtClean="0"/>
-              <a:t>12/6/20</a:t>
+              <a:t>12/19/20</a:t>
             </a:fld>
             <a:endParaRPr lang="en-US"/>
           </a:p>
@@ -2381,7 +2381,7 @@
           <a:p>
             <a:fld id="{CA410B4E-7D17-734D-A9E6-F036B5CECA49}" type="datetimeFigureOut">
               <a:rPr lang="en-US" smtClean="0"/>
-              <a:t>12/6/20</a:t>
+              <a:t>12/19/20</a:t>
             </a:fld>
             <a:endParaRPr lang="en-US"/>
           </a:p>
@@ -2669,7 +2669,7 @@
           <a:p>
             <a:fld id="{CA410B4E-7D17-734D-A9E6-F036B5CECA49}" type="datetimeFigureOut">
               <a:rPr lang="en-US" smtClean="0"/>
-              <a:t>12/6/20</a:t>
+              <a:t>12/19/20</a:t>
             </a:fld>
             <a:endParaRPr lang="en-US"/>
           </a:p>
@@ -2910,7 +2910,7 @@
           <a:p>
             <a:fld id="{CA410B4E-7D17-734D-A9E6-F036B5CECA49}" type="datetimeFigureOut">
               <a:rPr lang="en-US" smtClean="0"/>
-              <a:t>12/6/20</a:t>
+              <a:t>12/19/20</a:t>
             </a:fld>
             <a:endParaRPr lang="en-US"/>
           </a:p>
@@ -4020,8 +4020,8 @@
         </p:nvSpPr>
         <p:spPr>
           <a:xfrm>
-            <a:off x="7530353" y="5071926"/>
-            <a:ext cx="2247731" cy="1938992"/>
+            <a:off x="4172921" y="5810577"/>
+            <a:ext cx="6858000" cy="1477328"/>
           </a:xfrm>
           <a:prstGeom prst="rect">
             <a:avLst/>
@@ -4029,19 +4029,10 @@
           <a:noFill/>
         </p:spPr>
         <p:txBody>
-          <a:bodyPr wrap="none" rtlCol="0">
+          <a:bodyPr wrap="square" numCol="3" rtlCol="0">
             <a:spAutoFit/>
           </a:bodyPr>
           <a:lstStyle/>
-          <a:p>
-            <a:pPr algn="ctr"/>
-            <a:r>
-              <a:rPr lang="en-US" sz="3000" u="sng" dirty="0">
-                <a:latin typeface="Helvetica" pitchFamily="2" charset="0"/>
-              </a:rPr>
-              <a:t>Shape color</a:t>
-            </a:r>
-          </a:p>
           <a:p>
             <a:r>
               <a:rPr lang="en-US" sz="3000" b="1" dirty="0">
@@ -4054,6 +4045,22 @@
             </a:r>
           </a:p>
           <a:p>
+            <a:endParaRPr lang="en-US" sz="3000" b="1" dirty="0">
+              <a:solidFill>
+                <a:srgbClr val="67A9CF"/>
+              </a:solidFill>
+              <a:latin typeface="Helvetica" pitchFamily="2" charset="0"/>
+            </a:endParaRPr>
+          </a:p>
+          <a:p>
+            <a:endParaRPr lang="en-US" sz="3000" b="1" dirty="0">
+              <a:solidFill>
+                <a:srgbClr val="67A9CF"/>
+              </a:solidFill>
+              <a:latin typeface="Helvetica" pitchFamily="2" charset="0"/>
+            </a:endParaRPr>
+          </a:p>
+          <a:p>
             <a:r>
               <a:rPr lang="en-US" sz="3000" b="1" dirty="0">
                 <a:solidFill>
@@ -4063,6 +4070,22 @@
               </a:rPr>
               <a:t>Herbivores</a:t>
             </a:r>
+          </a:p>
+          <a:p>
+            <a:endParaRPr lang="en-US" sz="3000" b="1" dirty="0">
+              <a:solidFill>
+                <a:srgbClr val="156C58"/>
+              </a:solidFill>
+              <a:latin typeface="Helvetica" pitchFamily="2" charset="0"/>
+            </a:endParaRPr>
+          </a:p>
+          <a:p>
+            <a:endParaRPr lang="en-US" sz="3000" b="1" dirty="0">
+              <a:solidFill>
+                <a:srgbClr val="156C58"/>
+              </a:solidFill>
+              <a:latin typeface="Helvetica" pitchFamily="2" charset="0"/>
+            </a:endParaRPr>
           </a:p>
           <a:p>
             <a:r>
@@ -4099,7 +4122,7 @@
         </p:blipFill>
         <p:spPr>
           <a:xfrm>
-            <a:off x="5277024" y="5840098"/>
+            <a:off x="180223" y="4455051"/>
             <a:ext cx="863600" cy="520700"/>
           </a:xfrm>
           <a:prstGeom prst="rect">
@@ -4107,255 +4130,256 @@
           </a:prstGeom>
         </p:spPr>
       </p:pic>
-      <p:grpSp>
-        <p:nvGrpSpPr>
-          <p:cNvPr id="15" name="Group 14">
-            <a:extLst>
-              <a:ext uri="{FF2B5EF4-FFF2-40B4-BE49-F238E27FC236}">
-                <a16:creationId xmlns:a16="http://schemas.microsoft.com/office/drawing/2014/main" id="{302B4871-FCCD-D441-9CE6-F14D67036EF8}"/>
-              </a:ext>
-            </a:extLst>
-          </p:cNvPr>
-          <p:cNvGrpSpPr/>
+      <p:sp>
+        <p:nvSpPr>
+          <p:cNvPr id="6" name="TextBox 5">
+            <a:extLst>
+              <a:ext uri="{FF2B5EF4-FFF2-40B4-BE49-F238E27FC236}">
+                <a16:creationId xmlns:a16="http://schemas.microsoft.com/office/drawing/2014/main" id="{2DC32575-486A-764E-96BD-66AD48B481B5}"/>
+              </a:ext>
+            </a:extLst>
+          </p:cNvPr>
+          <p:cNvSpPr txBox="1"/>
           <p:nvPr/>
-        </p:nvGrpSpPr>
-        <p:grpSpPr>
+        </p:nvSpPr>
+        <p:spPr>
           <a:xfrm>
-            <a:off x="861392" y="133233"/>
-            <a:ext cx="10558463" cy="5269478"/>
-            <a:chOff x="861392" y="133233"/>
-            <a:chExt cx="10558463" cy="5269478"/>
+            <a:off x="358023" y="1277345"/>
+            <a:ext cx="12936071" cy="4708981"/>
           </a:xfrm>
-        </p:grpSpPr>
-        <p:sp>
-          <p:nvSpPr>
-            <p:cNvPr id="6" name="TextBox 5">
-              <a:extLst>
-                <a:ext uri="{FF2B5EF4-FFF2-40B4-BE49-F238E27FC236}">
-                  <a16:creationId xmlns:a16="http://schemas.microsoft.com/office/drawing/2014/main" id="{2DC32575-486A-764E-96BD-66AD48B481B5}"/>
-                </a:ext>
-              </a:extLst>
-            </p:cNvPr>
-            <p:cNvSpPr txBox="1"/>
-            <p:nvPr/>
-          </p:nvSpPr>
-          <p:spPr>
-            <a:xfrm>
-              <a:off x="861392" y="693730"/>
-              <a:ext cx="10558463" cy="4708981"/>
-            </a:xfrm>
-            <a:prstGeom prst="rect">
-              <a:avLst/>
-            </a:prstGeom>
-            <a:noFill/>
-          </p:spPr>
-          <p:txBody>
-            <a:bodyPr wrap="square" numCol="2" rtlCol="0">
-              <a:spAutoFit/>
-            </a:bodyPr>
-            <a:lstStyle/>
-            <a:p>
-              <a:r>
-                <a:rPr lang="en-US" sz="3000" b="1" dirty="0">
-                  <a:solidFill>
-                    <a:srgbClr val="6BAED6"/>
-                  </a:solidFill>
-                  <a:latin typeface="Helvetica" pitchFamily="2" charset="0"/>
-                </a:rPr>
-                <a:t>Microalgae</a:t>
-              </a:r>
-            </a:p>
-            <a:p>
-              <a:r>
-                <a:rPr lang="en-US" sz="3000" b="1" dirty="0">
-                  <a:solidFill>
-                    <a:srgbClr val="C7EAC0"/>
-                  </a:solidFill>
-                  <a:latin typeface="Helvetica" pitchFamily="2" charset="0"/>
-                </a:rPr>
-                <a:t>Filamentous</a:t>
-              </a:r>
-            </a:p>
-            <a:p>
-              <a:r>
-                <a:rPr lang="en-US" sz="3000" b="1" dirty="0">
-                  <a:solidFill>
-                    <a:srgbClr val="A1D99B"/>
-                  </a:solidFill>
-                  <a:latin typeface="Helvetica" pitchFamily="2" charset="0"/>
-                </a:rPr>
-                <a:t>Foliose</a:t>
-              </a:r>
-            </a:p>
-            <a:p>
-              <a:r>
-                <a:rPr lang="en-US" sz="3000" b="1" dirty="0">
-                  <a:solidFill>
-                    <a:srgbClr val="31A454"/>
-                  </a:solidFill>
-                  <a:latin typeface="Helvetica" pitchFamily="2" charset="0"/>
-                </a:rPr>
-                <a:t>Corticated foliose</a:t>
-              </a:r>
-            </a:p>
-            <a:p>
-              <a:r>
-                <a:rPr lang="en-US" sz="3000" b="1" dirty="0">
-                  <a:solidFill>
-                    <a:srgbClr val="A50F14"/>
-                  </a:solidFill>
-                  <a:latin typeface="Helvetica" pitchFamily="2" charset="0"/>
-                </a:rPr>
-                <a:t>Corticated macroalgae</a:t>
-              </a:r>
-              <a:endParaRPr lang="en-US" sz="3000" b="1" dirty="0">
+          <a:prstGeom prst="rect">
+            <a:avLst/>
+          </a:prstGeom>
+          <a:noFill/>
+        </p:spPr>
+        <p:txBody>
+          <a:bodyPr wrap="square" numCol="3" rtlCol="0">
+            <a:spAutoFit/>
+          </a:bodyPr>
+          <a:lstStyle/>
+          <a:p>
+            <a:r>
+              <a:rPr lang="en-US" sz="3000" b="1" dirty="0">
+                <a:solidFill>
+                  <a:srgbClr val="6BAED6"/>
+                </a:solidFill>
+                <a:latin typeface="Helvetica" pitchFamily="2" charset="0"/>
+              </a:rPr>
+              <a:t>Microalgae</a:t>
+            </a:r>
+          </a:p>
+          <a:p>
+            <a:r>
+              <a:rPr lang="en-US" sz="3000" b="1" dirty="0">
+                <a:solidFill>
+                  <a:srgbClr val="C7EAC0"/>
+                </a:solidFill>
+                <a:latin typeface="Helvetica" pitchFamily="2" charset="0"/>
+              </a:rPr>
+              <a:t>Filamentous</a:t>
+            </a:r>
+          </a:p>
+          <a:p>
+            <a:r>
+              <a:rPr lang="en-US" sz="3000" b="1" dirty="0">
+                <a:solidFill>
+                  <a:srgbClr val="A1D99B"/>
+                </a:solidFill>
+                <a:latin typeface="Helvetica" pitchFamily="2" charset="0"/>
+              </a:rPr>
+              <a:t>Foliose</a:t>
+            </a:r>
+          </a:p>
+          <a:p>
+            <a:endParaRPr lang="en-US" sz="3000" b="1" dirty="0">
+              <a:solidFill>
+                <a:srgbClr val="31A454"/>
+              </a:solidFill>
+              <a:latin typeface="Helvetica" pitchFamily="2" charset="0"/>
+            </a:endParaRPr>
+          </a:p>
+          <a:p>
+            <a:endParaRPr lang="en-US" sz="3000" b="1" dirty="0">
+              <a:solidFill>
+                <a:srgbClr val="31A454"/>
+              </a:solidFill>
+              <a:latin typeface="Helvetica" pitchFamily="2" charset="0"/>
+            </a:endParaRPr>
+          </a:p>
+          <a:p>
+            <a:endParaRPr lang="en-US" sz="3000" b="1" dirty="0">
+              <a:solidFill>
+                <a:srgbClr val="31A454"/>
+              </a:solidFill>
+              <a:latin typeface="Helvetica" pitchFamily="2" charset="0"/>
+            </a:endParaRPr>
+          </a:p>
+          <a:p>
+            <a:endParaRPr lang="en-US" sz="3000" b="1" dirty="0">
+              <a:solidFill>
+                <a:srgbClr val="31A454"/>
+              </a:solidFill>
+              <a:latin typeface="Helvetica" pitchFamily="2" charset="0"/>
+            </a:endParaRPr>
+          </a:p>
+          <a:p>
+            <a:endParaRPr lang="en-US" sz="3000" b="1" dirty="0">
+              <a:solidFill>
+                <a:srgbClr val="31A454"/>
+              </a:solidFill>
+              <a:latin typeface="Helvetica" pitchFamily="2" charset="0"/>
+            </a:endParaRPr>
+          </a:p>
+          <a:p>
+            <a:endParaRPr lang="en-US" sz="3000" b="1" dirty="0">
+              <a:solidFill>
+                <a:srgbClr val="31A454"/>
+              </a:solidFill>
+              <a:latin typeface="Helvetica" pitchFamily="2" charset="0"/>
+            </a:endParaRPr>
+          </a:p>
+          <a:p>
+            <a:endParaRPr lang="en-US" sz="3000" b="1" dirty="0">
+              <a:solidFill>
+                <a:srgbClr val="31A454"/>
+              </a:solidFill>
+              <a:latin typeface="Helvetica" pitchFamily="2" charset="0"/>
+            </a:endParaRPr>
+          </a:p>
+          <a:p>
+            <a:r>
+              <a:rPr lang="en-US" sz="3000" b="1" dirty="0">
+                <a:solidFill>
+                  <a:srgbClr val="31A454"/>
+                </a:solidFill>
+                <a:latin typeface="Helvetica" pitchFamily="2" charset="0"/>
+              </a:rPr>
+              <a:t>Corticated foliose</a:t>
+            </a:r>
+          </a:p>
+          <a:p>
+            <a:r>
+              <a:rPr lang="en-US" sz="3000" b="1" dirty="0">
+                <a:solidFill>
+                  <a:srgbClr val="A50F14"/>
+                </a:solidFill>
+                <a:latin typeface="Helvetica" pitchFamily="2" charset="0"/>
+              </a:rPr>
+              <a:t>Corticated macroalgae</a:t>
+            </a:r>
+            <a:endParaRPr lang="en-US" sz="3000" b="1" dirty="0">
+              <a:solidFill>
+                <a:srgbClr val="156D2B"/>
+              </a:solidFill>
+              <a:latin typeface="Helvetica" pitchFamily="2" charset="0"/>
+            </a:endParaRPr>
+          </a:p>
+          <a:p>
+            <a:r>
+              <a:rPr lang="en-US" sz="3000" b="1" dirty="0">
                 <a:solidFill>
                   <a:srgbClr val="156D2B"/>
                 </a:solidFill>
                 <a:latin typeface="Helvetica" pitchFamily="2" charset="0"/>
-              </a:endParaRPr>
-            </a:p>
-            <a:p>
-              <a:endParaRPr lang="en-US" sz="3000" b="1" dirty="0">
+              </a:rPr>
+              <a:t>Leathery macrophytes</a:t>
+            </a:r>
+          </a:p>
+          <a:p>
+            <a:r>
+              <a:rPr lang="en-US" sz="3000" b="1" dirty="0">
                 <a:solidFill>
-                  <a:srgbClr val="156D2B"/>
+                  <a:srgbClr val="C51A8A"/>
                 </a:solidFill>
                 <a:latin typeface="Helvetica" pitchFamily="2" charset="0"/>
-              </a:endParaRPr>
-            </a:p>
-            <a:p>
-              <a:endParaRPr lang="en-US" sz="3000" b="1" dirty="0">
+              </a:rPr>
+              <a:t>Articulated corallines</a:t>
+            </a:r>
+            <a:endParaRPr lang="en-US" sz="3000" b="1" dirty="0">
+              <a:solidFill>
+                <a:srgbClr val="D4B9DA"/>
+              </a:solidFill>
+              <a:latin typeface="Helvetica" pitchFamily="2" charset="0"/>
+            </a:endParaRPr>
+          </a:p>
+          <a:p>
+            <a:r>
+              <a:rPr lang="en-US" sz="3000" b="1" dirty="0">
                 <a:solidFill>
-                  <a:srgbClr val="156D2B"/>
+                  <a:srgbClr val="D4B9DA"/>
                 </a:solidFill>
                 <a:latin typeface="Helvetica" pitchFamily="2" charset="0"/>
-              </a:endParaRPr>
-            </a:p>
-            <a:p>
-              <a:endParaRPr lang="en-US" sz="3000" b="1" dirty="0">
+              </a:rPr>
+              <a:t>Crustose</a:t>
+            </a:r>
+            <a:endParaRPr lang="en-US" sz="3000" b="1" dirty="0">
+              <a:solidFill>
+                <a:srgbClr val="156D2B"/>
+              </a:solidFill>
+              <a:latin typeface="Helvetica" pitchFamily="2" charset="0"/>
+            </a:endParaRPr>
+          </a:p>
+          <a:p>
+            <a:r>
+              <a:rPr lang="en-US" sz="3000" b="1" dirty="0">
                 <a:solidFill>
-                  <a:srgbClr val="156D2B"/>
+                  <a:srgbClr val="54268F"/>
                 </a:solidFill>
                 <a:latin typeface="Helvetica" pitchFamily="2" charset="0"/>
-              </a:endParaRPr>
-            </a:p>
-            <a:p>
-              <a:endParaRPr lang="en-US" sz="3000" b="1" dirty="0">
+              </a:rPr>
+              <a:t>Anemones</a:t>
+            </a:r>
+          </a:p>
+          <a:p>
+            <a:r>
+              <a:rPr lang="en-US" sz="3000" b="1" dirty="0">
                 <a:solidFill>
-                  <a:srgbClr val="156D2B"/>
+                  <a:srgbClr val="636363"/>
                 </a:solidFill>
                 <a:latin typeface="Helvetica" pitchFamily="2" charset="0"/>
-              </a:endParaRPr>
-            </a:p>
-            <a:p>
-              <a:endParaRPr lang="en-US" sz="3000" b="1" dirty="0">
-                <a:solidFill>
-                  <a:srgbClr val="156D2B"/>
-                </a:solidFill>
+              </a:rPr>
+              <a:t>Suspension feeders</a:t>
+            </a:r>
+          </a:p>
+        </p:txBody>
+      </p:sp>
+      <p:sp>
+        <p:nvSpPr>
+          <p:cNvPr id="14" name="TextBox 13">
+            <a:extLst>
+              <a:ext uri="{FF2B5EF4-FFF2-40B4-BE49-F238E27FC236}">
+                <a16:creationId xmlns:a16="http://schemas.microsoft.com/office/drawing/2014/main" id="{75A4B9AB-19BE-5246-A652-9AAA880455B7}"/>
+              </a:ext>
+            </a:extLst>
+          </p:cNvPr>
+          <p:cNvSpPr txBox="1"/>
+          <p:nvPr/>
+        </p:nvSpPr>
+        <p:spPr>
+          <a:xfrm>
+            <a:off x="4679326" y="133233"/>
+            <a:ext cx="2922595" cy="707886"/>
+          </a:xfrm>
+          <a:prstGeom prst="rect">
+            <a:avLst/>
+          </a:prstGeom>
+          <a:noFill/>
+        </p:spPr>
+        <p:txBody>
+          <a:bodyPr wrap="none" rtlCol="0">
+            <a:spAutoFit/>
+          </a:bodyPr>
+          <a:lstStyle/>
+          <a:p>
+            <a:r>
+              <a:rPr lang="en-US" sz="4000" u="sng" dirty="0">
                 <a:latin typeface="Helvetica" pitchFamily="2" charset="0"/>
-              </a:endParaRPr>
-            </a:p>
-            <a:p>
-              <a:r>
-                <a:rPr lang="en-US" sz="3000" b="1" dirty="0">
-                  <a:solidFill>
-                    <a:srgbClr val="156D2B"/>
-                  </a:solidFill>
-                  <a:latin typeface="Helvetica" pitchFamily="2" charset="0"/>
-                </a:rPr>
-                <a:t>Leathery macrophytes</a:t>
-              </a:r>
-            </a:p>
-            <a:p>
-              <a:r>
-                <a:rPr lang="en-US" sz="3000" b="1" dirty="0">
-                  <a:solidFill>
-                    <a:srgbClr val="C51A8A"/>
-                  </a:solidFill>
-                  <a:latin typeface="Helvetica" pitchFamily="2" charset="0"/>
-                </a:rPr>
-                <a:t>Articulated corallines</a:t>
-              </a:r>
-            </a:p>
-            <a:p>
-              <a:r>
-                <a:rPr lang="en-US" sz="3000" b="1" dirty="0">
-                  <a:solidFill>
-                    <a:srgbClr val="D4B9DA"/>
-                  </a:solidFill>
-                  <a:latin typeface="Helvetica" pitchFamily="2" charset="0"/>
-                </a:rPr>
-                <a:t>Crustose</a:t>
-              </a:r>
-              <a:endParaRPr lang="en-US" sz="3000" b="1" dirty="0">
-                <a:solidFill>
-                  <a:srgbClr val="156D2B"/>
-                </a:solidFill>
-                <a:latin typeface="Helvetica" pitchFamily="2" charset="0"/>
-              </a:endParaRPr>
-            </a:p>
-            <a:p>
-              <a:r>
-                <a:rPr lang="en-US" sz="3000" b="1" dirty="0">
-                  <a:solidFill>
-                    <a:srgbClr val="54268F"/>
-                  </a:solidFill>
-                  <a:latin typeface="Helvetica" pitchFamily="2" charset="0"/>
-                </a:rPr>
-                <a:t>Anemones</a:t>
-              </a:r>
-            </a:p>
-            <a:p>
-              <a:r>
-                <a:rPr lang="en-US" sz="3000" b="1" dirty="0">
-                  <a:solidFill>
-                    <a:srgbClr val="636363"/>
-                  </a:solidFill>
-                  <a:latin typeface="Helvetica" pitchFamily="2" charset="0"/>
-                </a:rPr>
-                <a:t>Suspension feeders</a:t>
-              </a:r>
-            </a:p>
-          </p:txBody>
-        </p:sp>
-        <p:sp>
-          <p:nvSpPr>
-            <p:cNvPr id="14" name="TextBox 13">
-              <a:extLst>
-                <a:ext uri="{FF2B5EF4-FFF2-40B4-BE49-F238E27FC236}">
-                  <a16:creationId xmlns:a16="http://schemas.microsoft.com/office/drawing/2014/main" id="{75A4B9AB-19BE-5246-A652-9AAA880455B7}"/>
-                </a:ext>
-              </a:extLst>
-            </p:cNvPr>
-            <p:cNvSpPr txBox="1"/>
-            <p:nvPr/>
-          </p:nvSpPr>
-          <p:spPr>
-            <a:xfrm>
-              <a:off x="4679326" y="133233"/>
-              <a:ext cx="2922595" cy="707886"/>
-            </a:xfrm>
-            <a:prstGeom prst="rect">
-              <a:avLst/>
-            </a:prstGeom>
-            <a:noFill/>
-          </p:spPr>
-          <p:txBody>
-            <a:bodyPr wrap="none" rtlCol="0">
-              <a:spAutoFit/>
-            </a:bodyPr>
-            <a:lstStyle/>
-            <a:p>
-              <a:r>
-                <a:rPr lang="en-US" sz="4000" u="sng" dirty="0">
-                  <a:latin typeface="Helvetica" pitchFamily="2" charset="0"/>
-                </a:rPr>
-                <a:t>Shape color</a:t>
-              </a:r>
-            </a:p>
-          </p:txBody>
-        </p:sp>
-      </p:grpSp>
+              </a:rPr>
+              <a:t>Shape color</a:t>
+            </a:r>
+          </a:p>
+        </p:txBody>
+      </p:sp>
     </p:spTree>
     <p:extLst>
       <p:ext uri="{BB962C8B-B14F-4D97-AF65-F5344CB8AC3E}">

--- a/Output/surfgrasspca.pptx
+++ b/Output/surfgrasspca.pptx
@@ -7,6 +7,7 @@
   <p:sldIdLst>
     <p:sldId id="256" r:id="rId2"/>
     <p:sldId id="257" r:id="rId3"/>
+    <p:sldId id="258" r:id="rId4"/>
   </p:sldIdLst>
   <p:sldSz cx="12192000" cy="6858000"/>
   <p:notesSz cx="6858000" cy="9144000"/>
@@ -260,7 +261,7 @@
           <a:p>
             <a:fld id="{CA410B4E-7D17-734D-A9E6-F036B5CECA49}" type="datetimeFigureOut">
               <a:rPr lang="en-US" smtClean="0"/>
-              <a:t>12/19/20</a:t>
+              <a:t>12/25/20</a:t>
             </a:fld>
             <a:endParaRPr lang="en-US"/>
           </a:p>
@@ -458,7 +459,7 @@
           <a:p>
             <a:fld id="{CA410B4E-7D17-734D-A9E6-F036B5CECA49}" type="datetimeFigureOut">
               <a:rPr lang="en-US" smtClean="0"/>
-              <a:t>12/19/20</a:t>
+              <a:t>12/25/20</a:t>
             </a:fld>
             <a:endParaRPr lang="en-US"/>
           </a:p>
@@ -666,7 +667,7 @@
           <a:p>
             <a:fld id="{CA410B4E-7D17-734D-A9E6-F036B5CECA49}" type="datetimeFigureOut">
               <a:rPr lang="en-US" smtClean="0"/>
-              <a:t>12/19/20</a:t>
+              <a:t>12/25/20</a:t>
             </a:fld>
             <a:endParaRPr lang="en-US"/>
           </a:p>
@@ -864,7 +865,7 @@
           <a:p>
             <a:fld id="{CA410B4E-7D17-734D-A9E6-F036B5CECA49}" type="datetimeFigureOut">
               <a:rPr lang="en-US" smtClean="0"/>
-              <a:t>12/19/20</a:t>
+              <a:t>12/25/20</a:t>
             </a:fld>
             <a:endParaRPr lang="en-US"/>
           </a:p>
@@ -1139,7 +1140,7 @@
           <a:p>
             <a:fld id="{CA410B4E-7D17-734D-A9E6-F036B5CECA49}" type="datetimeFigureOut">
               <a:rPr lang="en-US" smtClean="0"/>
-              <a:t>12/19/20</a:t>
+              <a:t>12/25/20</a:t>
             </a:fld>
             <a:endParaRPr lang="en-US"/>
           </a:p>
@@ -1404,7 +1405,7 @@
           <a:p>
             <a:fld id="{CA410B4E-7D17-734D-A9E6-F036B5CECA49}" type="datetimeFigureOut">
               <a:rPr lang="en-US" smtClean="0"/>
-              <a:t>12/19/20</a:t>
+              <a:t>12/25/20</a:t>
             </a:fld>
             <a:endParaRPr lang="en-US"/>
           </a:p>
@@ -1816,7 +1817,7 @@
           <a:p>
             <a:fld id="{CA410B4E-7D17-734D-A9E6-F036B5CECA49}" type="datetimeFigureOut">
               <a:rPr lang="en-US" smtClean="0"/>
-              <a:t>12/19/20</a:t>
+              <a:t>12/25/20</a:t>
             </a:fld>
             <a:endParaRPr lang="en-US"/>
           </a:p>
@@ -1957,7 +1958,7 @@
           <a:p>
             <a:fld id="{CA410B4E-7D17-734D-A9E6-F036B5CECA49}" type="datetimeFigureOut">
               <a:rPr lang="en-US" smtClean="0"/>
-              <a:t>12/19/20</a:t>
+              <a:t>12/25/20</a:t>
             </a:fld>
             <a:endParaRPr lang="en-US"/>
           </a:p>
@@ -2070,7 +2071,7 @@
           <a:p>
             <a:fld id="{CA410B4E-7D17-734D-A9E6-F036B5CECA49}" type="datetimeFigureOut">
               <a:rPr lang="en-US" smtClean="0"/>
-              <a:t>12/19/20</a:t>
+              <a:t>12/25/20</a:t>
             </a:fld>
             <a:endParaRPr lang="en-US"/>
           </a:p>
@@ -2381,7 +2382,7 @@
           <a:p>
             <a:fld id="{CA410B4E-7D17-734D-A9E6-F036B5CECA49}" type="datetimeFigureOut">
               <a:rPr lang="en-US" smtClean="0"/>
-              <a:t>12/19/20</a:t>
+              <a:t>12/25/20</a:t>
             </a:fld>
             <a:endParaRPr lang="en-US"/>
           </a:p>
@@ -2669,7 +2670,7 @@
           <a:p>
             <a:fld id="{CA410B4E-7D17-734D-A9E6-F036B5CECA49}" type="datetimeFigureOut">
               <a:rPr lang="en-US" smtClean="0"/>
-              <a:t>12/19/20</a:t>
+              <a:t>12/25/20</a:t>
             </a:fld>
             <a:endParaRPr lang="en-US"/>
           </a:p>
@@ -2910,7 +2911,7 @@
           <a:p>
             <a:fld id="{CA410B4E-7D17-734D-A9E6-F036B5CECA49}" type="datetimeFigureOut">
               <a:rPr lang="en-US" smtClean="0"/>
-              <a:t>12/19/20</a:t>
+              <a:t>12/25/20</a:t>
             </a:fld>
             <a:endParaRPr lang="en-US"/>
           </a:p>
@@ -3371,7 +3372,7 @@
         </p:nvGrpSpPr>
         <p:grpSpPr>
           <a:xfrm>
-            <a:off x="742434" y="518051"/>
+            <a:off x="1741263" y="1353052"/>
             <a:ext cx="1415772" cy="2749938"/>
             <a:chOff x="742434" y="1038004"/>
             <a:chExt cx="1415772" cy="2749938"/>
@@ -3946,6 +3947,878 @@
           </p:txBody>
         </p:sp>
       </p:grpSp>
+      <p:grpSp>
+        <p:nvGrpSpPr>
+          <p:cNvPr id="21" name="Group 20">
+            <a:extLst>
+              <a:ext uri="{FF2B5EF4-FFF2-40B4-BE49-F238E27FC236}">
+                <a16:creationId xmlns:a16="http://schemas.microsoft.com/office/drawing/2014/main" id="{468B22FA-EAEE-B24A-BE6C-5EB7AEAC1A9D}"/>
+              </a:ext>
+            </a:extLst>
+          </p:cNvPr>
+          <p:cNvGrpSpPr/>
+          <p:nvPr/>
+        </p:nvGrpSpPr>
+        <p:grpSpPr>
+          <a:xfrm>
+            <a:off x="1893663" y="1505452"/>
+            <a:ext cx="1415772" cy="2749938"/>
+            <a:chOff x="742434" y="1038004"/>
+            <a:chExt cx="1415772" cy="2749938"/>
+          </a:xfrm>
+        </p:grpSpPr>
+        <p:sp>
+          <p:nvSpPr>
+            <p:cNvPr id="26" name="TextBox 25">
+              <a:extLst>
+                <a:ext uri="{FF2B5EF4-FFF2-40B4-BE49-F238E27FC236}">
+                  <a16:creationId xmlns:a16="http://schemas.microsoft.com/office/drawing/2014/main" id="{41E952EB-06FE-1343-969A-8B5A6508632B}"/>
+                </a:ext>
+              </a:extLst>
+            </p:cNvPr>
+            <p:cNvSpPr txBox="1"/>
+            <p:nvPr/>
+          </p:nvSpPr>
+          <p:spPr>
+            <a:xfrm>
+              <a:off x="823386" y="1811020"/>
+              <a:ext cx="1253869" cy="400110"/>
+            </a:xfrm>
+            <a:prstGeom prst="rect">
+              <a:avLst/>
+            </a:prstGeom>
+            <a:noFill/>
+            <a:ln>
+              <a:noFill/>
+            </a:ln>
+          </p:spPr>
+          <p:txBody>
+            <a:bodyPr wrap="none" rtlCol="0">
+              <a:spAutoFit/>
+            </a:bodyPr>
+            <a:lstStyle/>
+            <a:p>
+              <a:pPr algn="ctr"/>
+              <a:r>
+                <a:rPr lang="en-US" sz="2000" b="1" dirty="0">
+                  <a:solidFill>
+                    <a:srgbClr val="A5A5A5"/>
+                  </a:solidFill>
+                  <a:latin typeface="Helvetica" pitchFamily="2" charset="0"/>
+                </a:rPr>
+                <a:t>Removal</a:t>
+              </a:r>
+            </a:p>
+          </p:txBody>
+        </p:sp>
+        <p:sp>
+          <p:nvSpPr>
+            <p:cNvPr id="27" name="TextBox 26">
+              <a:extLst>
+                <a:ext uri="{FF2B5EF4-FFF2-40B4-BE49-F238E27FC236}">
+                  <a16:creationId xmlns:a16="http://schemas.microsoft.com/office/drawing/2014/main" id="{0E51EE3D-9351-1F4F-813E-1015F765888A}"/>
+                </a:ext>
+              </a:extLst>
+            </p:cNvPr>
+            <p:cNvSpPr txBox="1"/>
+            <p:nvPr/>
+          </p:nvSpPr>
+          <p:spPr>
+            <a:xfrm>
+              <a:off x="901933" y="1409123"/>
+              <a:ext cx="1096775" cy="400110"/>
+            </a:xfrm>
+            <a:prstGeom prst="rect">
+              <a:avLst/>
+            </a:prstGeom>
+            <a:noFill/>
+          </p:spPr>
+          <p:txBody>
+            <a:bodyPr wrap="none" rtlCol="0">
+              <a:spAutoFit/>
+            </a:bodyPr>
+            <a:lstStyle/>
+            <a:p>
+              <a:pPr algn="ctr"/>
+              <a:r>
+                <a:rPr lang="en-US" sz="2000" b="1" dirty="0">
+                  <a:solidFill>
+                    <a:srgbClr val="197EA7"/>
+                  </a:solidFill>
+                  <a:latin typeface="Helvetica" pitchFamily="2" charset="0"/>
+                </a:rPr>
+                <a:t>Control</a:t>
+              </a:r>
+            </a:p>
+          </p:txBody>
+        </p:sp>
+        <p:sp>
+          <p:nvSpPr>
+            <p:cNvPr id="28" name="TextBox 27">
+              <a:extLst>
+                <a:ext uri="{FF2B5EF4-FFF2-40B4-BE49-F238E27FC236}">
+                  <a16:creationId xmlns:a16="http://schemas.microsoft.com/office/drawing/2014/main" id="{7FC3DD90-75D2-1B43-BEED-96F4B42E1BF0}"/>
+                </a:ext>
+              </a:extLst>
+            </p:cNvPr>
+            <p:cNvSpPr txBox="1"/>
+            <p:nvPr/>
+          </p:nvSpPr>
+          <p:spPr>
+            <a:xfrm>
+              <a:off x="966053" y="2212917"/>
+              <a:ext cx="968535" cy="400110"/>
+            </a:xfrm>
+            <a:prstGeom prst="rect">
+              <a:avLst/>
+            </a:prstGeom>
+            <a:noFill/>
+          </p:spPr>
+          <p:txBody>
+            <a:bodyPr wrap="none" rtlCol="0">
+              <a:spAutoFit/>
+            </a:bodyPr>
+            <a:lstStyle/>
+            <a:p>
+              <a:pPr algn="ctr"/>
+              <a:r>
+                <a:rPr lang="en-US" sz="2000" b="1" dirty="0">
+                  <a:solidFill>
+                    <a:srgbClr val="C22721"/>
+                  </a:solidFill>
+                  <a:latin typeface="Helvetica" pitchFamily="2" charset="0"/>
+                </a:rPr>
+                <a:t>Ocean</a:t>
+              </a:r>
+            </a:p>
+          </p:txBody>
+        </p:sp>
+        <p:sp>
+          <p:nvSpPr>
+            <p:cNvPr id="29" name="TextBox 28">
+              <a:extLst>
+                <a:ext uri="{FF2B5EF4-FFF2-40B4-BE49-F238E27FC236}">
+                  <a16:creationId xmlns:a16="http://schemas.microsoft.com/office/drawing/2014/main" id="{F44DE695-7715-1F42-99BC-C54F2D652D6D}"/>
+                </a:ext>
+              </a:extLst>
+            </p:cNvPr>
+            <p:cNvSpPr txBox="1"/>
+            <p:nvPr/>
+          </p:nvSpPr>
+          <p:spPr>
+            <a:xfrm>
+              <a:off x="951626" y="2985933"/>
+              <a:ext cx="997389" cy="400110"/>
+            </a:xfrm>
+            <a:prstGeom prst="rect">
+              <a:avLst/>
+            </a:prstGeom>
+            <a:noFill/>
+          </p:spPr>
+          <p:txBody>
+            <a:bodyPr wrap="none" rtlCol="0">
+              <a:spAutoFit/>
+            </a:bodyPr>
+            <a:lstStyle/>
+            <a:p>
+              <a:pPr algn="ctr"/>
+              <a:r>
+                <a:rPr lang="en-US" sz="2000" b="1" dirty="0">
+                  <a:latin typeface="Helvetica" pitchFamily="2" charset="0"/>
+                </a:rPr>
+                <a:t>Before</a:t>
+              </a:r>
+            </a:p>
+          </p:txBody>
+        </p:sp>
+        <p:sp>
+          <p:nvSpPr>
+            <p:cNvPr id="30" name="Rectangle 29">
+              <a:extLst>
+                <a:ext uri="{FF2B5EF4-FFF2-40B4-BE49-F238E27FC236}">
+                  <a16:creationId xmlns:a16="http://schemas.microsoft.com/office/drawing/2014/main" id="{EEA7B967-C5CE-AA44-B21E-BCCF6A71DBDB}"/>
+                </a:ext>
+              </a:extLst>
+            </p:cNvPr>
+            <p:cNvSpPr/>
+            <p:nvPr/>
+          </p:nvSpPr>
+          <p:spPr>
+            <a:xfrm>
+              <a:off x="951625" y="3387832"/>
+              <a:ext cx="997390" cy="400110"/>
+            </a:xfrm>
+            <a:prstGeom prst="rect">
+              <a:avLst/>
+            </a:prstGeom>
+            <a:noFill/>
+          </p:spPr>
+          <p:txBody>
+            <a:bodyPr wrap="square" lIns="91440" tIns="45720" rIns="91440" bIns="45720">
+              <a:spAutoFit/>
+            </a:bodyPr>
+            <a:lstStyle/>
+            <a:p>
+              <a:pPr algn="ctr"/>
+              <a:r>
+                <a:rPr lang="en-US" sz="2000" b="1" cap="none" spc="0" dirty="0">
+                  <a:ln w="10160">
+                    <a:solidFill>
+                      <a:schemeClr val="tx1"/>
+                    </a:solidFill>
+                    <a:prstDash val="solid"/>
+                  </a:ln>
+                  <a:noFill/>
+                  <a:latin typeface="Helvetica" pitchFamily="2" charset="0"/>
+                </a:rPr>
+                <a:t>After</a:t>
+              </a:r>
+              <a:endParaRPr lang="en-US" sz="2000" b="1" cap="none" spc="0" dirty="0">
+                <a:ln w="10160">
+                  <a:solidFill>
+                    <a:schemeClr val="tx1"/>
+                  </a:solidFill>
+                  <a:prstDash val="solid"/>
+                </a:ln>
+                <a:noFill/>
+              </a:endParaRPr>
+            </a:p>
+          </p:txBody>
+        </p:sp>
+        <p:sp>
+          <p:nvSpPr>
+            <p:cNvPr id="31" name="TextBox 30">
+              <a:extLst>
+                <a:ext uri="{FF2B5EF4-FFF2-40B4-BE49-F238E27FC236}">
+                  <a16:creationId xmlns:a16="http://schemas.microsoft.com/office/drawing/2014/main" id="{68671C67-0565-E249-8404-3D01E67BAAF3}"/>
+                </a:ext>
+              </a:extLst>
+            </p:cNvPr>
+            <p:cNvSpPr txBox="1"/>
+            <p:nvPr/>
+          </p:nvSpPr>
+          <p:spPr>
+            <a:xfrm>
+              <a:off x="742434" y="1038004"/>
+              <a:ext cx="1415772" cy="369332"/>
+            </a:xfrm>
+            <a:prstGeom prst="rect">
+              <a:avLst/>
+            </a:prstGeom>
+            <a:noFill/>
+          </p:spPr>
+          <p:txBody>
+            <a:bodyPr wrap="none" rtlCol="0">
+              <a:spAutoFit/>
+            </a:bodyPr>
+            <a:lstStyle/>
+            <a:p>
+              <a:pPr algn="ctr"/>
+              <a:r>
+                <a:rPr lang="en-US" u="sng" dirty="0">
+                  <a:latin typeface="Helvetica" pitchFamily="2" charset="0"/>
+                </a:rPr>
+                <a:t>Shape color</a:t>
+              </a:r>
+            </a:p>
+          </p:txBody>
+        </p:sp>
+        <p:sp>
+          <p:nvSpPr>
+            <p:cNvPr id="32" name="TextBox 31">
+              <a:extLst>
+                <a:ext uri="{FF2B5EF4-FFF2-40B4-BE49-F238E27FC236}">
+                  <a16:creationId xmlns:a16="http://schemas.microsoft.com/office/drawing/2014/main" id="{D801F1C8-0E33-DB4A-9A84-66537806D86F}"/>
+                </a:ext>
+              </a:extLst>
+            </p:cNvPr>
+            <p:cNvSpPr txBox="1"/>
+            <p:nvPr/>
+          </p:nvSpPr>
+          <p:spPr>
+            <a:xfrm>
+              <a:off x="883498" y="2614814"/>
+              <a:ext cx="1133644" cy="369332"/>
+            </a:xfrm>
+            <a:prstGeom prst="rect">
+              <a:avLst/>
+            </a:prstGeom>
+            <a:noFill/>
+          </p:spPr>
+          <p:txBody>
+            <a:bodyPr wrap="none" rtlCol="0">
+              <a:spAutoFit/>
+            </a:bodyPr>
+            <a:lstStyle/>
+            <a:p>
+              <a:pPr algn="ctr"/>
+              <a:r>
+                <a:rPr lang="en-US" u="sng" dirty="0">
+                  <a:latin typeface="Helvetica" pitchFamily="2" charset="0"/>
+                </a:rPr>
+                <a:t>Shape fill</a:t>
+              </a:r>
+            </a:p>
+          </p:txBody>
+        </p:sp>
+      </p:grpSp>
+      <p:grpSp>
+        <p:nvGrpSpPr>
+          <p:cNvPr id="33" name="Group 32">
+            <a:extLst>
+              <a:ext uri="{FF2B5EF4-FFF2-40B4-BE49-F238E27FC236}">
+                <a16:creationId xmlns:a16="http://schemas.microsoft.com/office/drawing/2014/main" id="{5E880171-7DFA-074A-B666-F648C347CEC5}"/>
+              </a:ext>
+            </a:extLst>
+          </p:cNvPr>
+          <p:cNvGrpSpPr/>
+          <p:nvPr/>
+        </p:nvGrpSpPr>
+        <p:grpSpPr>
+          <a:xfrm>
+            <a:off x="2046063" y="1657852"/>
+            <a:ext cx="4310614" cy="3072270"/>
+            <a:chOff x="742434" y="1038004"/>
+            <a:chExt cx="4310614" cy="3072270"/>
+          </a:xfrm>
+        </p:grpSpPr>
+        <p:sp>
+          <p:nvSpPr>
+            <p:cNvPr id="34" name="TextBox 33">
+              <a:extLst>
+                <a:ext uri="{FF2B5EF4-FFF2-40B4-BE49-F238E27FC236}">
+                  <a16:creationId xmlns:a16="http://schemas.microsoft.com/office/drawing/2014/main" id="{7D9E63ED-C4FA-5544-A36E-C2E808799A07}"/>
+                </a:ext>
+              </a:extLst>
+            </p:cNvPr>
+            <p:cNvSpPr txBox="1"/>
+            <p:nvPr/>
+          </p:nvSpPr>
+          <p:spPr>
+            <a:xfrm>
+              <a:off x="823386" y="1811020"/>
+              <a:ext cx="1253869" cy="400110"/>
+            </a:xfrm>
+            <a:prstGeom prst="rect">
+              <a:avLst/>
+            </a:prstGeom>
+            <a:noFill/>
+            <a:ln>
+              <a:noFill/>
+            </a:ln>
+          </p:spPr>
+          <p:txBody>
+            <a:bodyPr wrap="none" rtlCol="0">
+              <a:spAutoFit/>
+            </a:bodyPr>
+            <a:lstStyle/>
+            <a:p>
+              <a:pPr algn="ctr"/>
+              <a:r>
+                <a:rPr lang="en-US" sz="2000" b="1" dirty="0">
+                  <a:solidFill>
+                    <a:srgbClr val="A5A5A5"/>
+                  </a:solidFill>
+                  <a:latin typeface="Helvetica" pitchFamily="2" charset="0"/>
+                </a:rPr>
+                <a:t>Removal</a:t>
+              </a:r>
+            </a:p>
+          </p:txBody>
+        </p:sp>
+        <p:sp>
+          <p:nvSpPr>
+            <p:cNvPr id="35" name="TextBox 34">
+              <a:extLst>
+                <a:ext uri="{FF2B5EF4-FFF2-40B4-BE49-F238E27FC236}">
+                  <a16:creationId xmlns:a16="http://schemas.microsoft.com/office/drawing/2014/main" id="{074CE6C7-68A5-9E40-8D5A-E151F6BA3222}"/>
+                </a:ext>
+              </a:extLst>
+            </p:cNvPr>
+            <p:cNvSpPr txBox="1"/>
+            <p:nvPr/>
+          </p:nvSpPr>
+          <p:spPr>
+            <a:xfrm>
+              <a:off x="901933" y="1409123"/>
+              <a:ext cx="1096775" cy="400110"/>
+            </a:xfrm>
+            <a:prstGeom prst="rect">
+              <a:avLst/>
+            </a:prstGeom>
+            <a:noFill/>
+          </p:spPr>
+          <p:txBody>
+            <a:bodyPr wrap="none" rtlCol="0">
+              <a:spAutoFit/>
+            </a:bodyPr>
+            <a:lstStyle/>
+            <a:p>
+              <a:pPr algn="ctr"/>
+              <a:r>
+                <a:rPr lang="en-US" sz="2000" b="1" dirty="0">
+                  <a:solidFill>
+                    <a:srgbClr val="197EA7"/>
+                  </a:solidFill>
+                  <a:latin typeface="Helvetica" pitchFamily="2" charset="0"/>
+                </a:rPr>
+                <a:t>Control</a:t>
+              </a:r>
+            </a:p>
+          </p:txBody>
+        </p:sp>
+        <p:sp>
+          <p:nvSpPr>
+            <p:cNvPr id="36" name="TextBox 35">
+              <a:extLst>
+                <a:ext uri="{FF2B5EF4-FFF2-40B4-BE49-F238E27FC236}">
+                  <a16:creationId xmlns:a16="http://schemas.microsoft.com/office/drawing/2014/main" id="{353B06A4-4CBD-8C4D-9EB6-18424FAE9441}"/>
+                </a:ext>
+              </a:extLst>
+            </p:cNvPr>
+            <p:cNvSpPr txBox="1"/>
+            <p:nvPr/>
+          </p:nvSpPr>
+          <p:spPr>
+            <a:xfrm>
+              <a:off x="966053" y="2212917"/>
+              <a:ext cx="968535" cy="400110"/>
+            </a:xfrm>
+            <a:prstGeom prst="rect">
+              <a:avLst/>
+            </a:prstGeom>
+            <a:noFill/>
+          </p:spPr>
+          <p:txBody>
+            <a:bodyPr wrap="none" rtlCol="0">
+              <a:spAutoFit/>
+            </a:bodyPr>
+            <a:lstStyle/>
+            <a:p>
+              <a:pPr algn="ctr"/>
+              <a:r>
+                <a:rPr lang="en-US" sz="2000" b="1" dirty="0">
+                  <a:solidFill>
+                    <a:srgbClr val="C22721"/>
+                  </a:solidFill>
+                  <a:latin typeface="Helvetica" pitchFamily="2" charset="0"/>
+                </a:rPr>
+                <a:t>Ocean</a:t>
+              </a:r>
+            </a:p>
+          </p:txBody>
+        </p:sp>
+        <p:sp>
+          <p:nvSpPr>
+            <p:cNvPr id="37" name="TextBox 36">
+              <a:extLst>
+                <a:ext uri="{FF2B5EF4-FFF2-40B4-BE49-F238E27FC236}">
+                  <a16:creationId xmlns:a16="http://schemas.microsoft.com/office/drawing/2014/main" id="{037B671F-34F0-834C-8404-A8003AFEB313}"/>
+                </a:ext>
+              </a:extLst>
+            </p:cNvPr>
+            <p:cNvSpPr txBox="1"/>
+            <p:nvPr/>
+          </p:nvSpPr>
+          <p:spPr>
+            <a:xfrm>
+              <a:off x="951626" y="2985933"/>
+              <a:ext cx="997389" cy="400110"/>
+            </a:xfrm>
+            <a:prstGeom prst="rect">
+              <a:avLst/>
+            </a:prstGeom>
+            <a:noFill/>
+          </p:spPr>
+          <p:txBody>
+            <a:bodyPr wrap="none" rtlCol="0">
+              <a:spAutoFit/>
+            </a:bodyPr>
+            <a:lstStyle/>
+            <a:p>
+              <a:pPr algn="ctr"/>
+              <a:r>
+                <a:rPr lang="en-US" sz="2000" b="1" dirty="0">
+                  <a:latin typeface="Helvetica" pitchFamily="2" charset="0"/>
+                </a:rPr>
+                <a:t>Before</a:t>
+              </a:r>
+            </a:p>
+          </p:txBody>
+        </p:sp>
+        <p:sp>
+          <p:nvSpPr>
+            <p:cNvPr id="38" name="Rectangle 37">
+              <a:extLst>
+                <a:ext uri="{FF2B5EF4-FFF2-40B4-BE49-F238E27FC236}">
+                  <a16:creationId xmlns:a16="http://schemas.microsoft.com/office/drawing/2014/main" id="{5263E2C8-E17F-0A4A-A84A-642CFE55E8B5}"/>
+                </a:ext>
+              </a:extLst>
+            </p:cNvPr>
+            <p:cNvSpPr/>
+            <p:nvPr/>
+          </p:nvSpPr>
+          <p:spPr>
+            <a:xfrm>
+              <a:off x="4055658" y="3710164"/>
+              <a:ext cx="997390" cy="400110"/>
+            </a:xfrm>
+            <a:prstGeom prst="rect">
+              <a:avLst/>
+            </a:prstGeom>
+            <a:noFill/>
+          </p:spPr>
+          <p:txBody>
+            <a:bodyPr wrap="square" lIns="91440" tIns="45720" rIns="91440" bIns="45720">
+              <a:spAutoFit/>
+            </a:bodyPr>
+            <a:lstStyle/>
+            <a:p>
+              <a:pPr algn="ctr"/>
+              <a:r>
+                <a:rPr lang="en-US" sz="2000" b="1" cap="none" spc="0" dirty="0">
+                  <a:ln w="10160">
+                    <a:solidFill>
+                      <a:schemeClr val="tx1"/>
+                    </a:solidFill>
+                    <a:prstDash val="solid"/>
+                  </a:ln>
+                  <a:noFill/>
+                  <a:latin typeface="Helvetica" pitchFamily="2" charset="0"/>
+                </a:rPr>
+                <a:t>After</a:t>
+              </a:r>
+              <a:endParaRPr lang="en-US" sz="2000" b="1" cap="none" spc="0" dirty="0">
+                <a:ln w="10160">
+                  <a:solidFill>
+                    <a:schemeClr val="tx1"/>
+                  </a:solidFill>
+                  <a:prstDash val="solid"/>
+                </a:ln>
+                <a:noFill/>
+              </a:endParaRPr>
+            </a:p>
+          </p:txBody>
+        </p:sp>
+        <p:sp>
+          <p:nvSpPr>
+            <p:cNvPr id="39" name="TextBox 38">
+              <a:extLst>
+                <a:ext uri="{FF2B5EF4-FFF2-40B4-BE49-F238E27FC236}">
+                  <a16:creationId xmlns:a16="http://schemas.microsoft.com/office/drawing/2014/main" id="{F3D640FD-1A5C-C644-B421-3E562393759E}"/>
+                </a:ext>
+              </a:extLst>
+            </p:cNvPr>
+            <p:cNvSpPr txBox="1"/>
+            <p:nvPr/>
+          </p:nvSpPr>
+          <p:spPr>
+            <a:xfrm>
+              <a:off x="742434" y="1038004"/>
+              <a:ext cx="1415772" cy="369332"/>
+            </a:xfrm>
+            <a:prstGeom prst="rect">
+              <a:avLst/>
+            </a:prstGeom>
+            <a:noFill/>
+          </p:spPr>
+          <p:txBody>
+            <a:bodyPr wrap="none" rtlCol="0">
+              <a:spAutoFit/>
+            </a:bodyPr>
+            <a:lstStyle/>
+            <a:p>
+              <a:pPr algn="ctr"/>
+              <a:r>
+                <a:rPr lang="en-US" u="sng" dirty="0">
+                  <a:latin typeface="Helvetica" pitchFamily="2" charset="0"/>
+                </a:rPr>
+                <a:t>Shape color</a:t>
+              </a:r>
+            </a:p>
+          </p:txBody>
+        </p:sp>
+        <p:sp>
+          <p:nvSpPr>
+            <p:cNvPr id="40" name="TextBox 39">
+              <a:extLst>
+                <a:ext uri="{FF2B5EF4-FFF2-40B4-BE49-F238E27FC236}">
+                  <a16:creationId xmlns:a16="http://schemas.microsoft.com/office/drawing/2014/main" id="{A0F04761-2A66-BC4D-9AA0-EEBB777FF25E}"/>
+                </a:ext>
+              </a:extLst>
+            </p:cNvPr>
+            <p:cNvSpPr txBox="1"/>
+            <p:nvPr/>
+          </p:nvSpPr>
+          <p:spPr>
+            <a:xfrm>
+              <a:off x="883498" y="2614814"/>
+              <a:ext cx="1133644" cy="369332"/>
+            </a:xfrm>
+            <a:prstGeom prst="rect">
+              <a:avLst/>
+            </a:prstGeom>
+            <a:noFill/>
+          </p:spPr>
+          <p:txBody>
+            <a:bodyPr wrap="none" rtlCol="0">
+              <a:spAutoFit/>
+            </a:bodyPr>
+            <a:lstStyle/>
+            <a:p>
+              <a:pPr algn="ctr"/>
+              <a:r>
+                <a:rPr lang="en-US" u="sng" dirty="0">
+                  <a:latin typeface="Helvetica" pitchFamily="2" charset="0"/>
+                </a:rPr>
+                <a:t>Shape fill</a:t>
+              </a:r>
+            </a:p>
+          </p:txBody>
+        </p:sp>
+      </p:grpSp>
+      <p:sp>
+        <p:nvSpPr>
+          <p:cNvPr id="41" name="Rectangle 40">
+            <a:extLst>
+              <a:ext uri="{FF2B5EF4-FFF2-40B4-BE49-F238E27FC236}">
+                <a16:creationId xmlns:a16="http://schemas.microsoft.com/office/drawing/2014/main" id="{D284E561-5AB8-164B-A9C0-A05FADE49567}"/>
+              </a:ext>
+            </a:extLst>
+          </p:cNvPr>
+          <p:cNvSpPr/>
+          <p:nvPr/>
+        </p:nvSpPr>
+        <p:spPr>
+          <a:xfrm>
+            <a:off x="5462967" y="5020227"/>
+            <a:ext cx="1892574" cy="707886"/>
+          </a:xfrm>
+          <a:prstGeom prst="rect">
+            <a:avLst/>
+          </a:prstGeom>
+          <a:noFill/>
+        </p:spPr>
+        <p:txBody>
+          <a:bodyPr wrap="square" lIns="91440" tIns="45720" rIns="91440" bIns="45720">
+            <a:spAutoFit/>
+          </a:bodyPr>
+          <a:lstStyle/>
+          <a:p>
+            <a:pPr algn="ctr"/>
+            <a:r>
+              <a:rPr lang="en-US" sz="4000" b="1" cap="none" spc="0" dirty="0">
+                <a:ln w="10160">
+                  <a:solidFill>
+                    <a:schemeClr val="tx1"/>
+                  </a:solidFill>
+                  <a:prstDash val="solid"/>
+                </a:ln>
+                <a:noFill/>
+                <a:latin typeface="Helvetica" pitchFamily="2" charset="0"/>
+              </a:rPr>
+              <a:t>After</a:t>
+            </a:r>
+            <a:endParaRPr lang="en-US" sz="4000" b="1" cap="none" spc="0" dirty="0">
+              <a:ln w="10160">
+                <a:solidFill>
+                  <a:schemeClr val="tx1"/>
+                </a:solidFill>
+                <a:prstDash val="solid"/>
+              </a:ln>
+              <a:noFill/>
+            </a:endParaRPr>
+          </a:p>
+        </p:txBody>
+      </p:sp>
+      <p:sp>
+        <p:nvSpPr>
+          <p:cNvPr id="42" name="TextBox 41">
+            <a:extLst>
+              <a:ext uri="{FF2B5EF4-FFF2-40B4-BE49-F238E27FC236}">
+                <a16:creationId xmlns:a16="http://schemas.microsoft.com/office/drawing/2014/main" id="{851587CA-11EC-2049-9125-4DE2A19D0C16}"/>
+              </a:ext>
+            </a:extLst>
+          </p:cNvPr>
+          <p:cNvSpPr txBox="1"/>
+          <p:nvPr/>
+        </p:nvSpPr>
+        <p:spPr>
+          <a:xfrm>
+            <a:off x="5190944" y="4652100"/>
+            <a:ext cx="1810112" cy="707886"/>
+          </a:xfrm>
+          <a:prstGeom prst="rect">
+            <a:avLst/>
+          </a:prstGeom>
+          <a:noFill/>
+        </p:spPr>
+        <p:txBody>
+          <a:bodyPr wrap="none" rtlCol="0">
+            <a:spAutoFit/>
+          </a:bodyPr>
+          <a:lstStyle/>
+          <a:p>
+            <a:pPr algn="ctr"/>
+            <a:r>
+              <a:rPr lang="en-US" sz="4000" b="1" dirty="0">
+                <a:latin typeface="Helvetica" pitchFamily="2" charset="0"/>
+              </a:rPr>
+              <a:t>Before</a:t>
+            </a:r>
+          </a:p>
+        </p:txBody>
+      </p:sp>
+      <p:sp>
+        <p:nvSpPr>
+          <p:cNvPr id="46" name="TextBox 45">
+            <a:extLst>
+              <a:ext uri="{FF2B5EF4-FFF2-40B4-BE49-F238E27FC236}">
+                <a16:creationId xmlns:a16="http://schemas.microsoft.com/office/drawing/2014/main" id="{832AC0C9-4642-F64B-BB3F-B013717B4175}"/>
+              </a:ext>
+            </a:extLst>
+          </p:cNvPr>
+          <p:cNvSpPr txBox="1"/>
+          <p:nvPr/>
+        </p:nvSpPr>
+        <p:spPr>
+          <a:xfrm>
+            <a:off x="7446258" y="2830978"/>
+            <a:ext cx="2007281" cy="707886"/>
+          </a:xfrm>
+          <a:prstGeom prst="rect">
+            <a:avLst/>
+          </a:prstGeom>
+          <a:noFill/>
+        </p:spPr>
+        <p:txBody>
+          <a:bodyPr wrap="none" rtlCol="0">
+            <a:spAutoFit/>
+          </a:bodyPr>
+          <a:lstStyle/>
+          <a:p>
+            <a:pPr algn="ctr"/>
+            <a:r>
+              <a:rPr lang="en-US" sz="4000" b="1" dirty="0">
+                <a:solidFill>
+                  <a:srgbClr val="197EA7"/>
+                </a:solidFill>
+                <a:latin typeface="Helvetica" pitchFamily="2" charset="0"/>
+              </a:rPr>
+              <a:t>Control</a:t>
+            </a:r>
+          </a:p>
+        </p:txBody>
+      </p:sp>
+      <p:sp>
+        <p:nvSpPr>
+          <p:cNvPr id="47" name="TextBox 46">
+            <a:extLst>
+              <a:ext uri="{FF2B5EF4-FFF2-40B4-BE49-F238E27FC236}">
+                <a16:creationId xmlns:a16="http://schemas.microsoft.com/office/drawing/2014/main" id="{40397E6B-4891-ED47-B4FE-CA0EAC583E7E}"/>
+              </a:ext>
+            </a:extLst>
+          </p:cNvPr>
+          <p:cNvSpPr txBox="1"/>
+          <p:nvPr/>
+        </p:nvSpPr>
+        <p:spPr>
+          <a:xfrm>
+            <a:off x="7047534" y="2124281"/>
+            <a:ext cx="2323073" cy="707886"/>
+          </a:xfrm>
+          <a:prstGeom prst="rect">
+            <a:avLst/>
+          </a:prstGeom>
+          <a:noFill/>
+          <a:ln>
+            <a:noFill/>
+          </a:ln>
+        </p:spPr>
+        <p:txBody>
+          <a:bodyPr wrap="none" rtlCol="0">
+            <a:spAutoFit/>
+          </a:bodyPr>
+          <a:lstStyle/>
+          <a:p>
+            <a:pPr algn="ctr"/>
+            <a:r>
+              <a:rPr lang="en-US" sz="4000" b="1" dirty="0">
+                <a:solidFill>
+                  <a:srgbClr val="A5A5A5"/>
+                </a:solidFill>
+                <a:latin typeface="Helvetica" pitchFamily="2" charset="0"/>
+              </a:rPr>
+              <a:t>Removal</a:t>
+            </a:r>
+          </a:p>
+        </p:txBody>
+      </p:sp>
+      <p:sp>
+        <p:nvSpPr>
+          <p:cNvPr id="48" name="TextBox 47">
+            <a:extLst>
+              <a:ext uri="{FF2B5EF4-FFF2-40B4-BE49-F238E27FC236}">
+                <a16:creationId xmlns:a16="http://schemas.microsoft.com/office/drawing/2014/main" id="{F34F8611-3C5B-4340-AF4C-F3CB8779EE9A}"/>
+              </a:ext>
+            </a:extLst>
+          </p:cNvPr>
+          <p:cNvSpPr txBox="1"/>
+          <p:nvPr/>
+        </p:nvSpPr>
+        <p:spPr>
+          <a:xfrm>
+            <a:off x="6188442" y="56052"/>
+            <a:ext cx="4346062" cy="1938992"/>
+          </a:xfrm>
+          <a:prstGeom prst="rect">
+            <a:avLst/>
+          </a:prstGeom>
+          <a:noFill/>
+        </p:spPr>
+        <p:txBody>
+          <a:bodyPr wrap="none" rtlCol="0">
+            <a:spAutoFit/>
+          </a:bodyPr>
+          <a:lstStyle/>
+          <a:p>
+            <a:pPr algn="ctr"/>
+            <a:r>
+              <a:rPr lang="en-US" sz="4000" b="1" dirty="0">
+                <a:solidFill>
+                  <a:srgbClr val="910D12"/>
+                </a:solidFill>
+                <a:latin typeface="Helvetica" pitchFamily="2" charset="0"/>
+              </a:rPr>
+              <a:t>Nearshore ocean</a:t>
+            </a:r>
+          </a:p>
+          <a:p>
+            <a:pPr algn="ctr"/>
+            <a:r>
+              <a:rPr lang="en-US" sz="4000" b="1" dirty="0">
+                <a:solidFill>
+                  <a:srgbClr val="910D12"/>
+                </a:solidFill>
+                <a:latin typeface="Helvetica" pitchFamily="2" charset="0"/>
+              </a:rPr>
+              <a:t>temperature</a:t>
+            </a:r>
+          </a:p>
+          <a:p>
+            <a:pPr algn="ctr"/>
+            <a:r>
+              <a:rPr lang="en-US" sz="4000" b="1" dirty="0">
+                <a:solidFill>
+                  <a:srgbClr val="910D12"/>
+                </a:solidFill>
+                <a:latin typeface="Helvetica" pitchFamily="2" charset="0"/>
+              </a:rPr>
+              <a:t>@ 1m depth</a:t>
+            </a:r>
+          </a:p>
+        </p:txBody>
+      </p:sp>
     </p:spTree>
     <p:extLst>
       <p:ext uri="{BB962C8B-B14F-4D97-AF65-F5344CB8AC3E}">
@@ -4020,8 +4893,8 @@
         </p:nvSpPr>
         <p:spPr>
           <a:xfrm>
-            <a:off x="4172921" y="5810577"/>
-            <a:ext cx="6858000" cy="1477328"/>
+            <a:off x="3684494" y="5810577"/>
+            <a:ext cx="8149483" cy="1708160"/>
           </a:xfrm>
           <a:prstGeom prst="rect">
             <a:avLst/>
@@ -4035,7 +4908,7 @@
           <a:lstStyle/>
           <a:p>
             <a:r>
-              <a:rPr lang="en-US" sz="3000" b="1" dirty="0">
+              <a:rPr lang="en-US" sz="3500" b="1" dirty="0">
                 <a:solidFill>
                   <a:srgbClr val="C6DBEF"/>
                 </a:solidFill>
@@ -4043,9 +4916,7 @@
               </a:rPr>
               <a:t>Carnivores</a:t>
             </a:r>
-          </a:p>
-          <a:p>
-            <a:endParaRPr lang="en-US" sz="3000" b="1" dirty="0">
+            <a:endParaRPr lang="en-US" sz="3500" b="1" dirty="0">
               <a:solidFill>
                 <a:srgbClr val="67A9CF"/>
               </a:solidFill>
@@ -4053,7 +4924,7 @@
             </a:endParaRPr>
           </a:p>
           <a:p>
-            <a:endParaRPr lang="en-US" sz="3000" b="1" dirty="0">
+            <a:endParaRPr lang="en-US" sz="3500" b="1" dirty="0">
               <a:solidFill>
                 <a:srgbClr val="67A9CF"/>
               </a:solidFill>
@@ -4061,8 +4932,16 @@
             </a:endParaRPr>
           </a:p>
           <a:p>
-            <a:r>
-              <a:rPr lang="en-US" sz="3000" b="1" dirty="0">
+            <a:endParaRPr lang="en-US" sz="3500" b="1" dirty="0">
+              <a:solidFill>
+                <a:srgbClr val="67A9CF"/>
+              </a:solidFill>
+              <a:latin typeface="Helvetica" pitchFamily="2" charset="0"/>
+            </a:endParaRPr>
+          </a:p>
+          <a:p>
+            <a:r>
+              <a:rPr lang="en-US" sz="3500" b="1" dirty="0">
                 <a:solidFill>
                   <a:srgbClr val="67A9CF"/>
                 </a:solidFill>
@@ -4072,7 +4951,7 @@
             </a:r>
           </a:p>
           <a:p>
-            <a:endParaRPr lang="en-US" sz="3000" b="1" dirty="0">
+            <a:endParaRPr lang="en-US" sz="3500" b="1" dirty="0">
               <a:solidFill>
                 <a:srgbClr val="156C58"/>
               </a:solidFill>
@@ -4080,7 +4959,7 @@
             </a:endParaRPr>
           </a:p>
           <a:p>
-            <a:endParaRPr lang="en-US" sz="3000" b="1" dirty="0">
+            <a:endParaRPr lang="en-US" sz="3500" b="1" dirty="0">
               <a:solidFill>
                 <a:srgbClr val="156C58"/>
               </a:solidFill>
@@ -4089,7 +4968,7 @@
           </a:p>
           <a:p>
             <a:r>
-              <a:rPr lang="en-US" sz="3000" b="1" dirty="0">
+              <a:rPr lang="en-US" sz="3500" b="1" dirty="0">
                 <a:solidFill>
                   <a:srgbClr val="156C58"/>
                 </a:solidFill>
@@ -4144,8 +5023,8 @@
         </p:nvSpPr>
         <p:spPr>
           <a:xfrm>
-            <a:off x="358023" y="1277345"/>
-            <a:ext cx="12936071" cy="4708981"/>
+            <a:off x="0" y="794699"/>
+            <a:ext cx="12936071" cy="4939814"/>
           </a:xfrm>
           <a:prstGeom prst="rect">
             <a:avLst/>
@@ -4153,13 +5032,13 @@
           <a:noFill/>
         </p:spPr>
         <p:txBody>
-          <a:bodyPr wrap="square" numCol="3" rtlCol="0">
+          <a:bodyPr wrap="square" numCol="2" rtlCol="0">
             <a:spAutoFit/>
           </a:bodyPr>
           <a:lstStyle/>
           <a:p>
             <a:r>
-              <a:rPr lang="en-US" sz="3000" b="1" dirty="0">
+              <a:rPr lang="en-US" sz="3500" b="1" dirty="0">
                 <a:solidFill>
                   <a:srgbClr val="6BAED6"/>
                 </a:solidFill>
@@ -4170,7 +5049,7 @@
           </a:p>
           <a:p>
             <a:r>
-              <a:rPr lang="en-US" sz="3000" b="1" dirty="0">
+              <a:rPr lang="en-US" sz="3500" b="1" dirty="0">
                 <a:solidFill>
                   <a:srgbClr val="C7EAC0"/>
                 </a:solidFill>
@@ -4181,7 +5060,7 @@
           </a:p>
           <a:p>
             <a:r>
-              <a:rPr lang="en-US" sz="3000" b="1" dirty="0">
+              <a:rPr lang="en-US" sz="3500" b="1" dirty="0">
                 <a:solidFill>
                   <a:srgbClr val="A1D99B"/>
                 </a:solidFill>
@@ -4191,7 +5070,7 @@
             </a:r>
           </a:p>
           <a:p>
-            <a:endParaRPr lang="en-US" sz="3000" b="1" dirty="0">
+            <a:endParaRPr lang="en-US" sz="3500" b="1" dirty="0">
               <a:solidFill>
                 <a:srgbClr val="31A454"/>
               </a:solidFill>
@@ -4199,7 +5078,7 @@
             </a:endParaRPr>
           </a:p>
           <a:p>
-            <a:endParaRPr lang="en-US" sz="3000" b="1" dirty="0">
+            <a:endParaRPr lang="en-US" sz="3500" b="1" dirty="0">
               <a:solidFill>
                 <a:srgbClr val="31A454"/>
               </a:solidFill>
@@ -4207,7 +5086,7 @@
             </a:endParaRPr>
           </a:p>
           <a:p>
-            <a:endParaRPr lang="en-US" sz="3000" b="1" dirty="0">
+            <a:endParaRPr lang="en-US" sz="3500" b="1" dirty="0">
               <a:solidFill>
                 <a:srgbClr val="31A454"/>
               </a:solidFill>
@@ -4215,7 +5094,7 @@
             </a:endParaRPr>
           </a:p>
           <a:p>
-            <a:endParaRPr lang="en-US" sz="3000" b="1" dirty="0">
+            <a:endParaRPr lang="en-US" sz="3500" b="1" dirty="0">
               <a:solidFill>
                 <a:srgbClr val="31A454"/>
               </a:solidFill>
@@ -4223,7 +5102,7 @@
             </a:endParaRPr>
           </a:p>
           <a:p>
-            <a:endParaRPr lang="en-US" sz="3000" b="1" dirty="0">
+            <a:endParaRPr lang="en-US" sz="3500" b="1" dirty="0">
               <a:solidFill>
                 <a:srgbClr val="31A454"/>
               </a:solidFill>
@@ -4231,7 +5110,7 @@
             </a:endParaRPr>
           </a:p>
           <a:p>
-            <a:endParaRPr lang="en-US" sz="3000" b="1" dirty="0">
+            <a:endParaRPr lang="en-US" sz="3500" b="1" dirty="0">
               <a:solidFill>
                 <a:srgbClr val="31A454"/>
               </a:solidFill>
@@ -4239,7 +5118,7 @@
             </a:endParaRPr>
           </a:p>
           <a:p>
-            <a:endParaRPr lang="en-US" sz="3000" b="1" dirty="0">
+            <a:endParaRPr lang="en-US" sz="3500" b="1" dirty="0">
               <a:solidFill>
                 <a:srgbClr val="31A454"/>
               </a:solidFill>
@@ -4248,7 +5127,7 @@
           </a:p>
           <a:p>
             <a:r>
-              <a:rPr lang="en-US" sz="3000" b="1" dirty="0">
+              <a:rPr lang="en-US" sz="3500" b="1" dirty="0">
                 <a:solidFill>
                   <a:srgbClr val="31A454"/>
                 </a:solidFill>
@@ -4259,7 +5138,7 @@
           </a:p>
           <a:p>
             <a:r>
-              <a:rPr lang="en-US" sz="3000" b="1" dirty="0">
+              <a:rPr lang="en-US" sz="3500" b="1" dirty="0">
                 <a:solidFill>
                   <a:srgbClr val="A50F14"/>
                 </a:solidFill>
@@ -4267,7 +5146,7 @@
               </a:rPr>
               <a:t>Corticated macroalgae</a:t>
             </a:r>
-            <a:endParaRPr lang="en-US" sz="3000" b="1" dirty="0">
+            <a:endParaRPr lang="en-US" sz="3500" b="1" dirty="0">
               <a:solidFill>
                 <a:srgbClr val="156D2B"/>
               </a:solidFill>
@@ -4276,7 +5155,7 @@
           </a:p>
           <a:p>
             <a:r>
-              <a:rPr lang="en-US" sz="3000" b="1" dirty="0">
+              <a:rPr lang="en-US" sz="3500" b="1" dirty="0">
                 <a:solidFill>
                   <a:srgbClr val="156D2B"/>
                 </a:solidFill>
@@ -4287,7 +5166,7 @@
           </a:p>
           <a:p>
             <a:r>
-              <a:rPr lang="en-US" sz="3000" b="1" dirty="0">
+              <a:rPr lang="en-US" sz="3500" b="1" dirty="0">
                 <a:solidFill>
                   <a:srgbClr val="C51A8A"/>
                 </a:solidFill>
@@ -4295,7 +5174,7 @@
               </a:rPr>
               <a:t>Articulated corallines</a:t>
             </a:r>
-            <a:endParaRPr lang="en-US" sz="3000" b="1" dirty="0">
+            <a:endParaRPr lang="en-US" sz="3500" b="1" dirty="0">
               <a:solidFill>
                 <a:srgbClr val="D4B9DA"/>
               </a:solidFill>
@@ -4304,7 +5183,7 @@
           </a:p>
           <a:p>
             <a:r>
-              <a:rPr lang="en-US" sz="3000" b="1" dirty="0">
+              <a:rPr lang="en-US" sz="3500" b="1" dirty="0">
                 <a:solidFill>
                   <a:srgbClr val="D4B9DA"/>
                 </a:solidFill>
@@ -4312,7 +5191,7 @@
               </a:rPr>
               <a:t>Crustose</a:t>
             </a:r>
-            <a:endParaRPr lang="en-US" sz="3000" b="1" dirty="0">
+            <a:endParaRPr lang="en-US" sz="3500" b="1" dirty="0">
               <a:solidFill>
                 <a:srgbClr val="156D2B"/>
               </a:solidFill>
@@ -4321,7 +5200,7 @@
           </a:p>
           <a:p>
             <a:r>
-              <a:rPr lang="en-US" sz="3000" b="1" dirty="0">
+              <a:rPr lang="en-US" sz="3500" b="1" dirty="0">
                 <a:solidFill>
                   <a:srgbClr val="54268F"/>
                 </a:solidFill>
@@ -4332,7 +5211,7 @@
           </a:p>
           <a:p>
             <a:r>
-              <a:rPr lang="en-US" sz="3000" b="1" dirty="0">
+              <a:rPr lang="en-US" sz="3500" b="1" dirty="0">
                 <a:solidFill>
                   <a:srgbClr val="636363"/>
                 </a:solidFill>
@@ -4380,10 +5259,585 @@
           </a:p>
         </p:txBody>
       </p:sp>
+      <p:cxnSp>
+        <p:nvCxnSpPr>
+          <p:cNvPr id="3" name="Straight Arrow Connector 2">
+            <a:extLst>
+              <a:ext uri="{FF2B5EF4-FFF2-40B4-BE49-F238E27FC236}">
+                <a16:creationId xmlns:a16="http://schemas.microsoft.com/office/drawing/2014/main" id="{ED9BDF73-9CDD-C241-8152-42AA8A661CC5}"/>
+              </a:ext>
+            </a:extLst>
+          </p:cNvPr>
+          <p:cNvCxnSpPr>
+            <a:cxnSpLocks/>
+          </p:cNvCxnSpPr>
+          <p:nvPr/>
+        </p:nvCxnSpPr>
+        <p:spPr>
+          <a:xfrm>
+            <a:off x="6826058" y="5613873"/>
+            <a:ext cx="2202189" cy="0"/>
+          </a:xfrm>
+          <a:prstGeom prst="straightConnector1">
+            <a:avLst/>
+          </a:prstGeom>
+          <a:ln w="50800">
+            <a:solidFill>
+              <a:schemeClr val="tx1"/>
+            </a:solidFill>
+            <a:tailEnd type="triangle"/>
+          </a:ln>
+        </p:spPr>
+        <p:style>
+          <a:lnRef idx="1">
+            <a:schemeClr val="accent1"/>
+          </a:lnRef>
+          <a:fillRef idx="0">
+            <a:schemeClr val="accent1"/>
+          </a:fillRef>
+          <a:effectRef idx="0">
+            <a:schemeClr val="accent1"/>
+          </a:effectRef>
+          <a:fontRef idx="minor">
+            <a:schemeClr val="tx1"/>
+          </a:fontRef>
+        </p:style>
+      </p:cxnSp>
+      <p:sp>
+        <p:nvSpPr>
+          <p:cNvPr id="10" name="Rectangle 9">
+            <a:extLst>
+              <a:ext uri="{FF2B5EF4-FFF2-40B4-BE49-F238E27FC236}">
+                <a16:creationId xmlns:a16="http://schemas.microsoft.com/office/drawing/2014/main" id="{F9DEB7C2-DB55-5A4A-A2B7-68ABBF0DF171}"/>
+              </a:ext>
+            </a:extLst>
+          </p:cNvPr>
+          <p:cNvSpPr/>
+          <p:nvPr/>
+        </p:nvSpPr>
+        <p:spPr>
+          <a:xfrm>
+            <a:off x="8745829" y="5245537"/>
+            <a:ext cx="1892574" cy="707886"/>
+          </a:xfrm>
+          <a:prstGeom prst="rect">
+            <a:avLst/>
+          </a:prstGeom>
+          <a:noFill/>
+        </p:spPr>
+        <p:txBody>
+          <a:bodyPr wrap="square" lIns="91440" tIns="45720" rIns="91440" bIns="45720">
+            <a:spAutoFit/>
+          </a:bodyPr>
+          <a:lstStyle/>
+          <a:p>
+            <a:pPr algn="ctr"/>
+            <a:r>
+              <a:rPr lang="en-US" sz="4000" b="1" cap="none" spc="0" dirty="0">
+                <a:ln w="10160">
+                  <a:solidFill>
+                    <a:schemeClr val="tx1"/>
+                  </a:solidFill>
+                  <a:prstDash val="solid"/>
+                </a:ln>
+                <a:noFill/>
+                <a:latin typeface="Helvetica" pitchFamily="2" charset="0"/>
+              </a:rPr>
+              <a:t>After</a:t>
+            </a:r>
+            <a:endParaRPr lang="en-US" sz="4000" b="1" cap="none" spc="0" dirty="0">
+              <a:ln w="10160">
+                <a:solidFill>
+                  <a:schemeClr val="tx1"/>
+                </a:solidFill>
+                <a:prstDash val="solid"/>
+              </a:ln>
+              <a:noFill/>
+            </a:endParaRPr>
+          </a:p>
+        </p:txBody>
+      </p:sp>
+      <p:sp>
+        <p:nvSpPr>
+          <p:cNvPr id="12" name="TextBox 11">
+            <a:extLst>
+              <a:ext uri="{FF2B5EF4-FFF2-40B4-BE49-F238E27FC236}">
+                <a16:creationId xmlns:a16="http://schemas.microsoft.com/office/drawing/2014/main" id="{85E3764D-0720-0047-B1C6-AB566326CC0C}"/>
+              </a:ext>
+            </a:extLst>
+          </p:cNvPr>
+          <p:cNvSpPr txBox="1"/>
+          <p:nvPr/>
+        </p:nvSpPr>
+        <p:spPr>
+          <a:xfrm>
+            <a:off x="5015946" y="5223979"/>
+            <a:ext cx="1810112" cy="707886"/>
+          </a:xfrm>
+          <a:prstGeom prst="rect">
+            <a:avLst/>
+          </a:prstGeom>
+          <a:noFill/>
+        </p:spPr>
+        <p:txBody>
+          <a:bodyPr wrap="none" rtlCol="0">
+            <a:spAutoFit/>
+          </a:bodyPr>
+          <a:lstStyle/>
+          <a:p>
+            <a:pPr algn="ctr"/>
+            <a:r>
+              <a:rPr lang="en-US" sz="4000" b="1" dirty="0">
+                <a:latin typeface="Helvetica" pitchFamily="2" charset="0"/>
+              </a:rPr>
+              <a:t>Before</a:t>
+            </a:r>
+          </a:p>
+        </p:txBody>
+      </p:sp>
+      <p:sp>
+        <p:nvSpPr>
+          <p:cNvPr id="7" name="TextBox 6">
+            <a:extLst>
+              <a:ext uri="{FF2B5EF4-FFF2-40B4-BE49-F238E27FC236}">
+                <a16:creationId xmlns:a16="http://schemas.microsoft.com/office/drawing/2014/main" id="{A1D6E794-C5F8-CC41-86B8-C1DAAE5DA088}"/>
+              </a:ext>
+            </a:extLst>
+          </p:cNvPr>
+          <p:cNvSpPr txBox="1"/>
+          <p:nvPr/>
+        </p:nvSpPr>
+        <p:spPr>
+          <a:xfrm>
+            <a:off x="8910918" y="961874"/>
+            <a:ext cx="2143087" cy="630942"/>
+          </a:xfrm>
+          <a:prstGeom prst="rect">
+            <a:avLst/>
+          </a:prstGeom>
+          <a:noFill/>
+        </p:spPr>
+        <p:txBody>
+          <a:bodyPr wrap="none" rtlCol="0">
+            <a:spAutoFit/>
+          </a:bodyPr>
+          <a:lstStyle/>
+          <a:p>
+            <a:r>
+              <a:rPr lang="en-US" sz="3500" dirty="0" err="1">
+                <a:solidFill>
+                  <a:srgbClr val="2B8CBF"/>
+                </a:solidFill>
+                <a:latin typeface="Helvetica" pitchFamily="2" charset="0"/>
+              </a:rPr>
+              <a:t>pH</a:t>
+            </a:r>
+            <a:r>
+              <a:rPr lang="en-US" sz="3500" baseline="-25000" dirty="0" err="1">
+                <a:solidFill>
+                  <a:srgbClr val="2B8CBF"/>
+                </a:solidFill>
+                <a:latin typeface="Helvetica" pitchFamily="2" charset="0"/>
+              </a:rPr>
+              <a:t>T</a:t>
+            </a:r>
+            <a:r>
+              <a:rPr lang="en-US" sz="3500" baseline="-25000" dirty="0">
+                <a:solidFill>
+                  <a:srgbClr val="2B8CBF"/>
+                </a:solidFill>
+                <a:latin typeface="Helvetica" pitchFamily="2" charset="0"/>
+              </a:rPr>
+              <a:t> </a:t>
+            </a:r>
+            <a:r>
+              <a:rPr lang="en-US" sz="3500" dirty="0">
+                <a:solidFill>
+                  <a:srgbClr val="2B8CBF"/>
+                </a:solidFill>
+                <a:latin typeface="Helvetica" pitchFamily="2" charset="0"/>
+              </a:rPr>
+              <a:t>mean</a:t>
+            </a:r>
+            <a:endParaRPr lang="en-US" sz="3500" baseline="-25000" dirty="0">
+              <a:solidFill>
+                <a:srgbClr val="2B8CBF"/>
+              </a:solidFill>
+              <a:latin typeface="Helvetica" pitchFamily="2" charset="0"/>
+            </a:endParaRPr>
+          </a:p>
+        </p:txBody>
+      </p:sp>
+      <p:sp>
+        <p:nvSpPr>
+          <p:cNvPr id="15" name="TextBox 14">
+            <a:extLst>
+              <a:ext uri="{FF2B5EF4-FFF2-40B4-BE49-F238E27FC236}">
+                <a16:creationId xmlns:a16="http://schemas.microsoft.com/office/drawing/2014/main" id="{15B7462E-E105-7E4D-AB71-233107C1F245}"/>
+              </a:ext>
+            </a:extLst>
+          </p:cNvPr>
+          <p:cNvSpPr txBox="1"/>
+          <p:nvPr/>
+        </p:nvSpPr>
+        <p:spPr>
+          <a:xfrm>
+            <a:off x="9387971" y="2029042"/>
+            <a:ext cx="1642950" cy="630942"/>
+          </a:xfrm>
+          <a:prstGeom prst="rect">
+            <a:avLst/>
+          </a:prstGeom>
+          <a:noFill/>
+        </p:spPr>
+        <p:txBody>
+          <a:bodyPr wrap="none" rtlCol="0">
+            <a:spAutoFit/>
+          </a:bodyPr>
+          <a:lstStyle/>
+          <a:p>
+            <a:r>
+              <a:rPr lang="en-US" sz="3500" dirty="0" err="1">
+                <a:solidFill>
+                  <a:srgbClr val="2B8CBF"/>
+                </a:solidFill>
+                <a:latin typeface="Helvetica" pitchFamily="2" charset="0"/>
+              </a:rPr>
+              <a:t>pH</a:t>
+            </a:r>
+            <a:r>
+              <a:rPr lang="en-US" sz="3500" baseline="-25000" dirty="0" err="1">
+                <a:solidFill>
+                  <a:srgbClr val="2B8CBF"/>
+                </a:solidFill>
+                <a:latin typeface="Helvetica" pitchFamily="2" charset="0"/>
+              </a:rPr>
+              <a:t>T</a:t>
+            </a:r>
+            <a:r>
+              <a:rPr lang="en-US" sz="3500" baseline="-25000" dirty="0">
+                <a:solidFill>
+                  <a:srgbClr val="2B8CBF"/>
+                </a:solidFill>
+                <a:latin typeface="Helvetica" pitchFamily="2" charset="0"/>
+              </a:rPr>
+              <a:t> </a:t>
+            </a:r>
+            <a:r>
+              <a:rPr lang="en-US" sz="3500" dirty="0">
+                <a:solidFill>
+                  <a:srgbClr val="2B8CBF"/>
+                </a:solidFill>
+                <a:latin typeface="Helvetica" pitchFamily="2" charset="0"/>
+              </a:rPr>
+              <a:t>var</a:t>
+            </a:r>
+          </a:p>
+        </p:txBody>
+      </p:sp>
+      <p:sp>
+        <p:nvSpPr>
+          <p:cNvPr id="16" name="TextBox 15">
+            <a:extLst>
+              <a:ext uri="{FF2B5EF4-FFF2-40B4-BE49-F238E27FC236}">
+                <a16:creationId xmlns:a16="http://schemas.microsoft.com/office/drawing/2014/main" id="{0A536AFD-3669-974D-8B63-729CF613FD9C}"/>
+              </a:ext>
+            </a:extLst>
+          </p:cNvPr>
+          <p:cNvSpPr txBox="1"/>
+          <p:nvPr/>
+        </p:nvSpPr>
+        <p:spPr>
+          <a:xfrm>
+            <a:off x="9470745" y="2679831"/>
+            <a:ext cx="1867371" cy="630942"/>
+          </a:xfrm>
+          <a:prstGeom prst="rect">
+            <a:avLst/>
+          </a:prstGeom>
+          <a:noFill/>
+        </p:spPr>
+        <p:txBody>
+          <a:bodyPr wrap="none" rtlCol="0">
+            <a:spAutoFit/>
+          </a:bodyPr>
+          <a:lstStyle/>
+          <a:p>
+            <a:r>
+              <a:rPr lang="en-US" sz="3500" dirty="0" err="1">
+                <a:solidFill>
+                  <a:srgbClr val="2B8CBF"/>
+                </a:solidFill>
+                <a:latin typeface="Helvetica" pitchFamily="2" charset="0"/>
+              </a:rPr>
+              <a:t>pH</a:t>
+            </a:r>
+            <a:r>
+              <a:rPr lang="en-US" sz="3500" baseline="-25000" dirty="0" err="1">
+                <a:solidFill>
+                  <a:srgbClr val="2B8CBF"/>
+                </a:solidFill>
+                <a:latin typeface="Helvetica" pitchFamily="2" charset="0"/>
+              </a:rPr>
+              <a:t>T</a:t>
+            </a:r>
+            <a:r>
+              <a:rPr lang="en-US" sz="3500" baseline="-25000" dirty="0">
+                <a:solidFill>
+                  <a:srgbClr val="2B8CBF"/>
+                </a:solidFill>
+                <a:latin typeface="Helvetica" pitchFamily="2" charset="0"/>
+              </a:rPr>
+              <a:t> </a:t>
+            </a:r>
+            <a:r>
+              <a:rPr lang="en-US" sz="3500" dirty="0">
+                <a:solidFill>
+                  <a:srgbClr val="2B8CBF"/>
+                </a:solidFill>
+                <a:latin typeface="Helvetica" pitchFamily="2" charset="0"/>
+              </a:rPr>
+              <a:t>max</a:t>
+            </a:r>
+          </a:p>
+        </p:txBody>
+      </p:sp>
     </p:spTree>
     <p:extLst>
       <p:ext uri="{BB962C8B-B14F-4D97-AF65-F5344CB8AC3E}">
         <p14:creationId xmlns:p14="http://schemas.microsoft.com/office/powerpoint/2010/main" val="2668740359"/>
+      </p:ext>
+    </p:extLst>
+  </p:cSld>
+  <p:clrMapOvr>
+    <a:masterClrMapping/>
+  </p:clrMapOvr>
+</p:sld>
+</file>
+
+<file path=ppt/slides/slide3.xml><?xml version="1.0" encoding="utf-8"?>
+<p:sld xmlns:a="http://schemas.openxmlformats.org/drawingml/2006/main" xmlns:r="http://schemas.openxmlformats.org/officeDocument/2006/relationships" xmlns:p="http://schemas.openxmlformats.org/presentationml/2006/main">
+  <p:cSld>
+    <p:spTree>
+      <p:nvGrpSpPr>
+        <p:cNvPr id="1" name=""/>
+        <p:cNvGrpSpPr/>
+        <p:nvPr/>
+      </p:nvGrpSpPr>
+      <p:grpSpPr>
+        <a:xfrm>
+          <a:off x="0" y="0"/>
+          <a:ext cx="0" cy="0"/>
+          <a:chOff x="0" y="0"/>
+          <a:chExt cx="0" cy="0"/>
+        </a:xfrm>
+      </p:grpSpPr>
+      <p:sp>
+        <p:nvSpPr>
+          <p:cNvPr id="4" name="TextBox 3">
+            <a:extLst>
+              <a:ext uri="{FF2B5EF4-FFF2-40B4-BE49-F238E27FC236}">
+                <a16:creationId xmlns:a16="http://schemas.microsoft.com/office/drawing/2014/main" id="{46D36A29-C298-B54C-A559-BB80445C2F79}"/>
+              </a:ext>
+            </a:extLst>
+          </p:cNvPr>
+          <p:cNvSpPr txBox="1"/>
+          <p:nvPr/>
+        </p:nvSpPr>
+        <p:spPr>
+          <a:xfrm>
+            <a:off x="1066799" y="689788"/>
+            <a:ext cx="9784977" cy="5478423"/>
+          </a:xfrm>
+          <a:prstGeom prst="rect">
+            <a:avLst/>
+          </a:prstGeom>
+          <a:noFill/>
+        </p:spPr>
+        <p:txBody>
+          <a:bodyPr wrap="square" numCol="2" rtlCol="0">
+            <a:spAutoFit/>
+          </a:bodyPr>
+          <a:lstStyle/>
+          <a:p>
+            <a:pPr>
+              <a:tabLst>
+                <a:tab pos="2392363" algn="l"/>
+              </a:tabLst>
+            </a:pPr>
+            <a:r>
+              <a:rPr lang="en-US" sz="3500" b="1" dirty="0">
+                <a:solidFill>
+                  <a:srgbClr val="6BAED6"/>
+                </a:solidFill>
+                <a:latin typeface="Helvetica" pitchFamily="2" charset="0"/>
+              </a:rPr>
+              <a:t>Microalgae</a:t>
+            </a:r>
+          </a:p>
+          <a:p>
+            <a:r>
+              <a:rPr lang="en-US" sz="3500" b="1" dirty="0">
+                <a:solidFill>
+                  <a:srgbClr val="C7EAC0"/>
+                </a:solidFill>
+                <a:latin typeface="Helvetica" pitchFamily="2" charset="0"/>
+              </a:rPr>
+              <a:t>Filamentous</a:t>
+            </a:r>
+          </a:p>
+          <a:p>
+            <a:r>
+              <a:rPr lang="en-US" sz="3500" b="1" dirty="0">
+                <a:solidFill>
+                  <a:srgbClr val="A1D99B"/>
+                </a:solidFill>
+                <a:latin typeface="Helvetica" pitchFamily="2" charset="0"/>
+              </a:rPr>
+              <a:t>Foliose</a:t>
+            </a:r>
+          </a:p>
+          <a:p>
+            <a:r>
+              <a:rPr lang="en-US" sz="3500" b="1" dirty="0">
+                <a:solidFill>
+                  <a:srgbClr val="D4B9DA"/>
+                </a:solidFill>
+                <a:latin typeface="Helvetica" pitchFamily="2" charset="0"/>
+              </a:rPr>
+              <a:t>Crustose</a:t>
+            </a:r>
+          </a:p>
+          <a:p>
+            <a:r>
+              <a:rPr lang="en-US" sz="3500" b="1" dirty="0">
+                <a:solidFill>
+                  <a:srgbClr val="54268F"/>
+                </a:solidFill>
+                <a:latin typeface="Helvetica" pitchFamily="2" charset="0"/>
+              </a:rPr>
+              <a:t>Anemones</a:t>
+            </a:r>
+            <a:endParaRPr lang="en-US" sz="3500" b="1" dirty="0">
+              <a:solidFill>
+                <a:srgbClr val="156D2B"/>
+              </a:solidFill>
+              <a:latin typeface="Helvetica" pitchFamily="2" charset="0"/>
+            </a:endParaRPr>
+          </a:p>
+          <a:p>
+            <a:endParaRPr lang="en-US" sz="3500" b="1" dirty="0">
+              <a:solidFill>
+                <a:srgbClr val="A1D99B"/>
+              </a:solidFill>
+              <a:latin typeface="Helvetica" pitchFamily="2" charset="0"/>
+            </a:endParaRPr>
+          </a:p>
+          <a:p>
+            <a:endParaRPr lang="en-US" sz="3500" b="1" dirty="0">
+              <a:solidFill>
+                <a:srgbClr val="31A454"/>
+              </a:solidFill>
+              <a:latin typeface="Helvetica" pitchFamily="2" charset="0"/>
+            </a:endParaRPr>
+          </a:p>
+          <a:p>
+            <a:endParaRPr lang="en-US" sz="3500" b="1" dirty="0">
+              <a:solidFill>
+                <a:srgbClr val="31A454"/>
+              </a:solidFill>
+              <a:latin typeface="Helvetica" pitchFamily="2" charset="0"/>
+            </a:endParaRPr>
+          </a:p>
+          <a:p>
+            <a:endParaRPr lang="en-US" sz="3500" b="1" dirty="0">
+              <a:solidFill>
+                <a:srgbClr val="31A454"/>
+              </a:solidFill>
+              <a:latin typeface="Helvetica" pitchFamily="2" charset="0"/>
+            </a:endParaRPr>
+          </a:p>
+          <a:p>
+            <a:endParaRPr lang="en-US" sz="3500" b="1" dirty="0">
+              <a:solidFill>
+                <a:srgbClr val="31A454"/>
+              </a:solidFill>
+              <a:latin typeface="Helvetica" pitchFamily="2" charset="0"/>
+            </a:endParaRPr>
+          </a:p>
+          <a:p>
+            <a:r>
+              <a:rPr lang="en-US" sz="3500" b="1" dirty="0">
+                <a:solidFill>
+                  <a:srgbClr val="31A454"/>
+                </a:solidFill>
+                <a:latin typeface="Helvetica" pitchFamily="2" charset="0"/>
+              </a:rPr>
+              <a:t>Corticated foliose</a:t>
+            </a:r>
+          </a:p>
+          <a:p>
+            <a:r>
+              <a:rPr lang="en-US" sz="3500" b="1" dirty="0">
+                <a:solidFill>
+                  <a:srgbClr val="A50F14"/>
+                </a:solidFill>
+                <a:latin typeface="Helvetica" pitchFamily="2" charset="0"/>
+              </a:rPr>
+              <a:t>Corticated macroalgae</a:t>
+            </a:r>
+            <a:endParaRPr lang="en-US" sz="3500" b="1" dirty="0">
+              <a:solidFill>
+                <a:srgbClr val="156D2B"/>
+              </a:solidFill>
+              <a:latin typeface="Helvetica" pitchFamily="2" charset="0"/>
+            </a:endParaRPr>
+          </a:p>
+          <a:p>
+            <a:r>
+              <a:rPr lang="en-US" sz="3500" b="1" dirty="0">
+                <a:solidFill>
+                  <a:srgbClr val="156D2B"/>
+                </a:solidFill>
+                <a:latin typeface="Helvetica" pitchFamily="2" charset="0"/>
+              </a:rPr>
+              <a:t>Leathery macrophytes</a:t>
+            </a:r>
+          </a:p>
+          <a:p>
+            <a:r>
+              <a:rPr lang="en-US" sz="3500" b="1" dirty="0">
+                <a:solidFill>
+                  <a:srgbClr val="C51A8A"/>
+                </a:solidFill>
+                <a:latin typeface="Helvetica" pitchFamily="2" charset="0"/>
+              </a:rPr>
+              <a:t>Articulated corallines</a:t>
+            </a:r>
+            <a:endParaRPr lang="en-US" sz="3500" b="1" dirty="0">
+              <a:solidFill>
+                <a:srgbClr val="D4B9DA"/>
+              </a:solidFill>
+              <a:latin typeface="Helvetica" pitchFamily="2" charset="0"/>
+            </a:endParaRPr>
+          </a:p>
+          <a:p>
+            <a:r>
+              <a:rPr lang="en-US" sz="3500" b="1" dirty="0">
+                <a:solidFill>
+                  <a:srgbClr val="636363"/>
+                </a:solidFill>
+                <a:latin typeface="Helvetica" pitchFamily="2" charset="0"/>
+              </a:rPr>
+              <a:t>Suspension feeders</a:t>
+            </a:r>
+          </a:p>
+        </p:txBody>
+      </p:sp>
+    </p:spTree>
+    <p:extLst>
+      <p:ext uri="{BB962C8B-B14F-4D97-AF65-F5344CB8AC3E}">
+        <p14:creationId xmlns:p14="http://schemas.microsoft.com/office/powerpoint/2010/main" val="3253906345"/>
       </p:ext>
     </p:extLst>
   </p:cSld>

--- a/Output/surfgrasspca.pptx
+++ b/Output/surfgrasspca.pptx
@@ -261,7 +261,7 @@
           <a:p>
             <a:fld id="{CA410B4E-7D17-734D-A9E6-F036B5CECA49}" type="datetimeFigureOut">
               <a:rPr lang="en-US" smtClean="0"/>
-              <a:t>12/25/20</a:t>
+              <a:t>12/27/20</a:t>
             </a:fld>
             <a:endParaRPr lang="en-US"/>
           </a:p>
@@ -459,7 +459,7 @@
           <a:p>
             <a:fld id="{CA410B4E-7D17-734D-A9E6-F036B5CECA49}" type="datetimeFigureOut">
               <a:rPr lang="en-US" smtClean="0"/>
-              <a:t>12/25/20</a:t>
+              <a:t>12/27/20</a:t>
             </a:fld>
             <a:endParaRPr lang="en-US"/>
           </a:p>
@@ -667,7 +667,7 @@
           <a:p>
             <a:fld id="{CA410B4E-7D17-734D-A9E6-F036B5CECA49}" type="datetimeFigureOut">
               <a:rPr lang="en-US" smtClean="0"/>
-              <a:t>12/25/20</a:t>
+              <a:t>12/27/20</a:t>
             </a:fld>
             <a:endParaRPr lang="en-US"/>
           </a:p>
@@ -865,7 +865,7 @@
           <a:p>
             <a:fld id="{CA410B4E-7D17-734D-A9E6-F036B5CECA49}" type="datetimeFigureOut">
               <a:rPr lang="en-US" smtClean="0"/>
-              <a:t>12/25/20</a:t>
+              <a:t>12/27/20</a:t>
             </a:fld>
             <a:endParaRPr lang="en-US"/>
           </a:p>
@@ -1140,7 +1140,7 @@
           <a:p>
             <a:fld id="{CA410B4E-7D17-734D-A9E6-F036B5CECA49}" type="datetimeFigureOut">
               <a:rPr lang="en-US" smtClean="0"/>
-              <a:t>12/25/20</a:t>
+              <a:t>12/27/20</a:t>
             </a:fld>
             <a:endParaRPr lang="en-US"/>
           </a:p>
@@ -1405,7 +1405,7 @@
           <a:p>
             <a:fld id="{CA410B4E-7D17-734D-A9E6-F036B5CECA49}" type="datetimeFigureOut">
               <a:rPr lang="en-US" smtClean="0"/>
-              <a:t>12/25/20</a:t>
+              <a:t>12/27/20</a:t>
             </a:fld>
             <a:endParaRPr lang="en-US"/>
           </a:p>
@@ -1817,7 +1817,7 @@
           <a:p>
             <a:fld id="{CA410B4E-7D17-734D-A9E6-F036B5CECA49}" type="datetimeFigureOut">
               <a:rPr lang="en-US" smtClean="0"/>
-              <a:t>12/25/20</a:t>
+              <a:t>12/27/20</a:t>
             </a:fld>
             <a:endParaRPr lang="en-US"/>
           </a:p>
@@ -1958,7 +1958,7 @@
           <a:p>
             <a:fld id="{CA410B4E-7D17-734D-A9E6-F036B5CECA49}" type="datetimeFigureOut">
               <a:rPr lang="en-US" smtClean="0"/>
-              <a:t>12/25/20</a:t>
+              <a:t>12/27/20</a:t>
             </a:fld>
             <a:endParaRPr lang="en-US"/>
           </a:p>
@@ -2071,7 +2071,7 @@
           <a:p>
             <a:fld id="{CA410B4E-7D17-734D-A9E6-F036B5CECA49}" type="datetimeFigureOut">
               <a:rPr lang="en-US" smtClean="0"/>
-              <a:t>12/25/20</a:t>
+              <a:t>12/27/20</a:t>
             </a:fld>
             <a:endParaRPr lang="en-US"/>
           </a:p>
@@ -2382,7 +2382,7 @@
           <a:p>
             <a:fld id="{CA410B4E-7D17-734D-A9E6-F036B5CECA49}" type="datetimeFigureOut">
               <a:rPr lang="en-US" smtClean="0"/>
-              <a:t>12/25/20</a:t>
+              <a:t>12/27/20</a:t>
             </a:fld>
             <a:endParaRPr lang="en-US"/>
           </a:p>
@@ -2670,7 +2670,7 @@
           <a:p>
             <a:fld id="{CA410B4E-7D17-734D-A9E6-F036B5CECA49}" type="datetimeFigureOut">
               <a:rPr lang="en-US" smtClean="0"/>
-              <a:t>12/25/20</a:t>
+              <a:t>12/27/20</a:t>
             </a:fld>
             <a:endParaRPr lang="en-US"/>
           </a:p>
@@ -2911,7 +2911,7 @@
           <a:p>
             <a:fld id="{CA410B4E-7D17-734D-A9E6-F036B5CECA49}" type="datetimeFigureOut">
               <a:rPr lang="en-US" smtClean="0"/>
-              <a:t>12/25/20</a:t>
+              <a:t>12/27/20</a:t>
             </a:fld>
             <a:endParaRPr lang="en-US"/>
           </a:p>
@@ -5834,6 +5834,42 @@
           </a:p>
         </p:txBody>
       </p:sp>
+      <p:pic>
+        <p:nvPicPr>
+          <p:cNvPr id="3" name="Graphic 2" descr="Thermometer with solid fill">
+            <a:extLst>
+              <a:ext uri="{FF2B5EF4-FFF2-40B4-BE49-F238E27FC236}">
+                <a16:creationId xmlns:a16="http://schemas.microsoft.com/office/drawing/2014/main" id="{BFA66D34-FB5A-024E-BE42-746456F310C5}"/>
+              </a:ext>
+            </a:extLst>
+          </p:cNvPr>
+          <p:cNvPicPr>
+            <a:picLocks noChangeAspect="1"/>
+          </p:cNvPicPr>
+          <p:nvPr/>
+        </p:nvPicPr>
+        <p:blipFill>
+          <a:blip r:embed="rId2">
+            <a:extLst>
+              <a:ext uri="{96DAC541-7B7A-43D3-8B79-37D633B846F1}">
+                <asvg:svgBlip xmlns:asvg="http://schemas.microsoft.com/office/drawing/2016/SVG/main" r:embed="rId3"/>
+              </a:ext>
+            </a:extLst>
+          </a:blip>
+          <a:stretch>
+            <a:fillRect/>
+          </a:stretch>
+        </p:blipFill>
+        <p:spPr>
+          <a:xfrm>
+            <a:off x="4267200" y="4883727"/>
+            <a:ext cx="914400" cy="914400"/>
+          </a:xfrm>
+          <a:prstGeom prst="rect">
+            <a:avLst/>
+          </a:prstGeom>
+        </p:spPr>
+      </p:pic>
     </p:spTree>
     <p:extLst>
       <p:ext uri="{BB962C8B-B14F-4D97-AF65-F5344CB8AC3E}">

--- a/Output/surfgrasspca.pptx
+++ b/Output/surfgrasspca.pptx
@@ -261,7 +261,7 @@
           <a:p>
             <a:fld id="{CA410B4E-7D17-734D-A9E6-F036B5CECA49}" type="datetimeFigureOut">
               <a:rPr lang="en-US" smtClean="0"/>
-              <a:t>12/27/20</a:t>
+              <a:t>1/26/21</a:t>
             </a:fld>
             <a:endParaRPr lang="en-US"/>
           </a:p>
@@ -459,7 +459,7 @@
           <a:p>
             <a:fld id="{CA410B4E-7D17-734D-A9E6-F036B5CECA49}" type="datetimeFigureOut">
               <a:rPr lang="en-US" smtClean="0"/>
-              <a:t>12/27/20</a:t>
+              <a:t>1/26/21</a:t>
             </a:fld>
             <a:endParaRPr lang="en-US"/>
           </a:p>
@@ -667,7 +667,7 @@
           <a:p>
             <a:fld id="{CA410B4E-7D17-734D-A9E6-F036B5CECA49}" type="datetimeFigureOut">
               <a:rPr lang="en-US" smtClean="0"/>
-              <a:t>12/27/20</a:t>
+              <a:t>1/26/21</a:t>
             </a:fld>
             <a:endParaRPr lang="en-US"/>
           </a:p>
@@ -865,7 +865,7 @@
           <a:p>
             <a:fld id="{CA410B4E-7D17-734D-A9E6-F036B5CECA49}" type="datetimeFigureOut">
               <a:rPr lang="en-US" smtClean="0"/>
-              <a:t>12/27/20</a:t>
+              <a:t>1/26/21</a:t>
             </a:fld>
             <a:endParaRPr lang="en-US"/>
           </a:p>
@@ -1140,7 +1140,7 @@
           <a:p>
             <a:fld id="{CA410B4E-7D17-734D-A9E6-F036B5CECA49}" type="datetimeFigureOut">
               <a:rPr lang="en-US" smtClean="0"/>
-              <a:t>12/27/20</a:t>
+              <a:t>1/26/21</a:t>
             </a:fld>
             <a:endParaRPr lang="en-US"/>
           </a:p>
@@ -1405,7 +1405,7 @@
           <a:p>
             <a:fld id="{CA410B4E-7D17-734D-A9E6-F036B5CECA49}" type="datetimeFigureOut">
               <a:rPr lang="en-US" smtClean="0"/>
-              <a:t>12/27/20</a:t>
+              <a:t>1/26/21</a:t>
             </a:fld>
             <a:endParaRPr lang="en-US"/>
           </a:p>
@@ -1817,7 +1817,7 @@
           <a:p>
             <a:fld id="{CA410B4E-7D17-734D-A9E6-F036B5CECA49}" type="datetimeFigureOut">
               <a:rPr lang="en-US" smtClean="0"/>
-              <a:t>12/27/20</a:t>
+              <a:t>1/26/21</a:t>
             </a:fld>
             <a:endParaRPr lang="en-US"/>
           </a:p>
@@ -1958,7 +1958,7 @@
           <a:p>
             <a:fld id="{CA410B4E-7D17-734D-A9E6-F036B5CECA49}" type="datetimeFigureOut">
               <a:rPr lang="en-US" smtClean="0"/>
-              <a:t>12/27/20</a:t>
+              <a:t>1/26/21</a:t>
             </a:fld>
             <a:endParaRPr lang="en-US"/>
           </a:p>
@@ -2071,7 +2071,7 @@
           <a:p>
             <a:fld id="{CA410B4E-7D17-734D-A9E6-F036B5CECA49}" type="datetimeFigureOut">
               <a:rPr lang="en-US" smtClean="0"/>
-              <a:t>12/27/20</a:t>
+              <a:t>1/26/21</a:t>
             </a:fld>
             <a:endParaRPr lang="en-US"/>
           </a:p>
@@ -2382,7 +2382,7 @@
           <a:p>
             <a:fld id="{CA410B4E-7D17-734D-A9E6-F036B5CECA49}" type="datetimeFigureOut">
               <a:rPr lang="en-US" smtClean="0"/>
-              <a:t>12/27/20</a:t>
+              <a:t>1/26/21</a:t>
             </a:fld>
             <a:endParaRPr lang="en-US"/>
           </a:p>
@@ -2670,7 +2670,7 @@
           <a:p>
             <a:fld id="{CA410B4E-7D17-734D-A9E6-F036B5CECA49}" type="datetimeFigureOut">
               <a:rPr lang="en-US" smtClean="0"/>
-              <a:t>12/27/20</a:t>
+              <a:t>1/26/21</a:t>
             </a:fld>
             <a:endParaRPr lang="en-US"/>
           </a:p>
@@ -2911,7 +2911,7 @@
           <a:p>
             <a:fld id="{CA410B4E-7D17-734D-A9E6-F036B5CECA49}" type="datetimeFigureOut">
               <a:rPr lang="en-US" smtClean="0"/>
-              <a:t>12/27/20</a:t>
+              <a:t>1/26/21</a:t>
             </a:fld>
             <a:endParaRPr lang="en-US"/>
           </a:p>
@@ -5870,6 +5870,414 @@
           </a:prstGeom>
         </p:spPr>
       </p:pic>
+      <p:cxnSp>
+        <p:nvCxnSpPr>
+          <p:cNvPr id="5" name="Straight Arrow Connector 4">
+            <a:extLst>
+              <a:ext uri="{FF2B5EF4-FFF2-40B4-BE49-F238E27FC236}">
+                <a16:creationId xmlns:a16="http://schemas.microsoft.com/office/drawing/2014/main" id="{AFF9D924-C9BE-ED4E-8E6C-C37391AB0E31}"/>
+              </a:ext>
+            </a:extLst>
+          </p:cNvPr>
+          <p:cNvCxnSpPr>
+            <a:cxnSpLocks/>
+          </p:cNvCxnSpPr>
+          <p:nvPr/>
+        </p:nvCxnSpPr>
+        <p:spPr>
+          <a:xfrm flipV="1">
+            <a:off x="11125201" y="3585648"/>
+            <a:ext cx="0" cy="1755279"/>
+          </a:xfrm>
+          <a:prstGeom prst="straightConnector1">
+            <a:avLst/>
+          </a:prstGeom>
+          <a:ln w="50800">
+            <a:solidFill>
+              <a:schemeClr val="tx1"/>
+            </a:solidFill>
+            <a:tailEnd type="triangle"/>
+          </a:ln>
+        </p:spPr>
+        <p:style>
+          <a:lnRef idx="1">
+            <a:schemeClr val="accent1"/>
+          </a:lnRef>
+          <a:fillRef idx="0">
+            <a:schemeClr val="accent1"/>
+          </a:fillRef>
+          <a:effectRef idx="0">
+            <a:schemeClr val="accent1"/>
+          </a:effectRef>
+          <a:fontRef idx="minor">
+            <a:schemeClr val="tx1"/>
+          </a:fontRef>
+        </p:style>
+      </p:cxnSp>
+      <p:sp>
+        <p:nvSpPr>
+          <p:cNvPr id="6" name="Rectangle 5">
+            <a:extLst>
+              <a:ext uri="{FF2B5EF4-FFF2-40B4-BE49-F238E27FC236}">
+                <a16:creationId xmlns:a16="http://schemas.microsoft.com/office/drawing/2014/main" id="{DB6AEAE2-5BDB-DF47-A2E5-2D4073565349}"/>
+              </a:ext>
+            </a:extLst>
+          </p:cNvPr>
+          <p:cNvSpPr/>
+          <p:nvPr/>
+        </p:nvSpPr>
+        <p:spPr>
+          <a:xfrm>
+            <a:off x="9812423" y="2305275"/>
+            <a:ext cx="2625556" cy="1323439"/>
+          </a:xfrm>
+          <a:prstGeom prst="rect">
+            <a:avLst/>
+          </a:prstGeom>
+          <a:noFill/>
+        </p:spPr>
+        <p:txBody>
+          <a:bodyPr wrap="square" lIns="91440" tIns="45720" rIns="91440" bIns="45720">
+            <a:spAutoFit/>
+          </a:bodyPr>
+          <a:lstStyle/>
+          <a:p>
+            <a:pPr algn="ctr"/>
+            <a:r>
+              <a:rPr lang="en-US" sz="4000" b="1" cap="none" spc="0" dirty="0">
+                <a:ln w="10160">
+                  <a:solidFill>
+                    <a:schemeClr val="tx1"/>
+                  </a:solidFill>
+                  <a:prstDash val="solid"/>
+                </a:ln>
+                <a:noFill/>
+                <a:latin typeface="Helvetica" pitchFamily="2" charset="0"/>
+              </a:rPr>
+              <a:t>After Removal</a:t>
+            </a:r>
+            <a:endParaRPr lang="en-US" sz="4000" b="1" cap="none" spc="0" dirty="0">
+              <a:ln w="10160">
+                <a:solidFill>
+                  <a:schemeClr val="tx1"/>
+                </a:solidFill>
+                <a:prstDash val="solid"/>
+              </a:ln>
+              <a:noFill/>
+            </a:endParaRPr>
+          </a:p>
+        </p:txBody>
+      </p:sp>
+      <p:sp>
+        <p:nvSpPr>
+          <p:cNvPr id="7" name="TextBox 6">
+            <a:extLst>
+              <a:ext uri="{FF2B5EF4-FFF2-40B4-BE49-F238E27FC236}">
+                <a16:creationId xmlns:a16="http://schemas.microsoft.com/office/drawing/2014/main" id="{FB42DD2B-7AC0-6746-BE58-56FEEE5D86A3}"/>
+              </a:ext>
+            </a:extLst>
+          </p:cNvPr>
+          <p:cNvSpPr txBox="1"/>
+          <p:nvPr/>
+        </p:nvSpPr>
+        <p:spPr>
+          <a:xfrm>
+            <a:off x="10220145" y="5340927"/>
+            <a:ext cx="1810112" cy="707886"/>
+          </a:xfrm>
+          <a:prstGeom prst="rect">
+            <a:avLst/>
+          </a:prstGeom>
+          <a:noFill/>
+        </p:spPr>
+        <p:txBody>
+          <a:bodyPr wrap="none" rtlCol="0">
+            <a:spAutoFit/>
+          </a:bodyPr>
+          <a:lstStyle/>
+          <a:p>
+            <a:pPr algn="ctr"/>
+            <a:r>
+              <a:rPr lang="en-US" sz="4000" b="1" dirty="0">
+                <a:latin typeface="Helvetica" pitchFamily="2" charset="0"/>
+              </a:rPr>
+              <a:t>Before</a:t>
+            </a:r>
+          </a:p>
+        </p:txBody>
+      </p:sp>
+      <p:sp>
+        <p:nvSpPr>
+          <p:cNvPr id="8" name="Rectangle 7">
+            <a:extLst>
+              <a:ext uri="{FF2B5EF4-FFF2-40B4-BE49-F238E27FC236}">
+                <a16:creationId xmlns:a16="http://schemas.microsoft.com/office/drawing/2014/main" id="{6B08D310-D263-424B-98D9-9CC29953207A}"/>
+              </a:ext>
+            </a:extLst>
+          </p:cNvPr>
+          <p:cNvSpPr/>
+          <p:nvPr/>
+        </p:nvSpPr>
+        <p:spPr>
+          <a:xfrm>
+            <a:off x="557812" y="3628714"/>
+            <a:ext cx="2625556" cy="1323439"/>
+          </a:xfrm>
+          <a:prstGeom prst="rect">
+            <a:avLst/>
+          </a:prstGeom>
+          <a:noFill/>
+        </p:spPr>
+        <p:txBody>
+          <a:bodyPr wrap="square" lIns="91440" tIns="45720" rIns="91440" bIns="45720">
+            <a:spAutoFit/>
+          </a:bodyPr>
+          <a:lstStyle/>
+          <a:p>
+            <a:pPr algn="ctr"/>
+            <a:r>
+              <a:rPr lang="en-US" sz="4000" b="1" cap="none" spc="0" dirty="0">
+                <a:ln w="10160">
+                  <a:solidFill>
+                    <a:schemeClr val="tx1"/>
+                  </a:solidFill>
+                  <a:prstDash val="solid"/>
+                </a:ln>
+                <a:noFill/>
+                <a:latin typeface="Helvetica" pitchFamily="2" charset="0"/>
+              </a:rPr>
+              <a:t>After Removal</a:t>
+            </a:r>
+            <a:endParaRPr lang="en-US" sz="4000" b="1" cap="none" spc="0" dirty="0">
+              <a:ln w="10160">
+                <a:solidFill>
+                  <a:schemeClr val="tx1"/>
+                </a:solidFill>
+                <a:prstDash val="solid"/>
+              </a:ln>
+              <a:noFill/>
+            </a:endParaRPr>
+          </a:p>
+        </p:txBody>
+      </p:sp>
+      <p:cxnSp>
+        <p:nvCxnSpPr>
+          <p:cNvPr id="9" name="Straight Arrow Connector 8">
+            <a:extLst>
+              <a:ext uri="{FF2B5EF4-FFF2-40B4-BE49-F238E27FC236}">
+                <a16:creationId xmlns:a16="http://schemas.microsoft.com/office/drawing/2014/main" id="{049F5C55-AF4F-F041-B384-4B7AE26EFEFB}"/>
+              </a:ext>
+            </a:extLst>
+          </p:cNvPr>
+          <p:cNvCxnSpPr>
+            <a:cxnSpLocks/>
+          </p:cNvCxnSpPr>
+          <p:nvPr/>
+        </p:nvCxnSpPr>
+        <p:spPr>
+          <a:xfrm flipH="1">
+            <a:off x="3183368" y="4379704"/>
+            <a:ext cx="2167663" cy="0"/>
+          </a:xfrm>
+          <a:prstGeom prst="straightConnector1">
+            <a:avLst/>
+          </a:prstGeom>
+          <a:ln w="50800">
+            <a:solidFill>
+              <a:schemeClr val="tx1"/>
+            </a:solidFill>
+            <a:tailEnd type="triangle"/>
+          </a:ln>
+        </p:spPr>
+        <p:style>
+          <a:lnRef idx="1">
+            <a:schemeClr val="accent1"/>
+          </a:lnRef>
+          <a:fillRef idx="0">
+            <a:schemeClr val="accent1"/>
+          </a:fillRef>
+          <a:effectRef idx="0">
+            <a:schemeClr val="accent1"/>
+          </a:effectRef>
+          <a:fontRef idx="minor">
+            <a:schemeClr val="tx1"/>
+          </a:fontRef>
+        </p:style>
+      </p:cxnSp>
+      <p:sp>
+        <p:nvSpPr>
+          <p:cNvPr id="13" name="TextBox 12">
+            <a:extLst>
+              <a:ext uri="{FF2B5EF4-FFF2-40B4-BE49-F238E27FC236}">
+                <a16:creationId xmlns:a16="http://schemas.microsoft.com/office/drawing/2014/main" id="{C9B82F56-AD65-B847-9BD8-99F63C7B7534}"/>
+              </a:ext>
+            </a:extLst>
+          </p:cNvPr>
+          <p:cNvSpPr txBox="1"/>
+          <p:nvPr/>
+        </p:nvSpPr>
+        <p:spPr>
+          <a:xfrm>
+            <a:off x="5351031" y="4025761"/>
+            <a:ext cx="1810112" cy="707886"/>
+          </a:xfrm>
+          <a:prstGeom prst="rect">
+            <a:avLst/>
+          </a:prstGeom>
+          <a:noFill/>
+        </p:spPr>
+        <p:txBody>
+          <a:bodyPr wrap="none" rtlCol="0">
+            <a:spAutoFit/>
+          </a:bodyPr>
+          <a:lstStyle/>
+          <a:p>
+            <a:pPr algn="ctr"/>
+            <a:r>
+              <a:rPr lang="en-US" sz="4000" b="1" dirty="0">
+                <a:latin typeface="Helvetica" pitchFamily="2" charset="0"/>
+              </a:rPr>
+              <a:t>Before</a:t>
+            </a:r>
+          </a:p>
+        </p:txBody>
+      </p:sp>
+      <p:sp>
+        <p:nvSpPr>
+          <p:cNvPr id="16" name="TextBox 15">
+            <a:extLst>
+              <a:ext uri="{FF2B5EF4-FFF2-40B4-BE49-F238E27FC236}">
+                <a16:creationId xmlns:a16="http://schemas.microsoft.com/office/drawing/2014/main" id="{06317D69-2C59-634B-B83E-0E2C6EDB7189}"/>
+              </a:ext>
+            </a:extLst>
+          </p:cNvPr>
+          <p:cNvSpPr txBox="1"/>
+          <p:nvPr/>
+        </p:nvSpPr>
+        <p:spPr>
+          <a:xfrm>
+            <a:off x="968753" y="5791185"/>
+            <a:ext cx="1810112" cy="707886"/>
+          </a:xfrm>
+          <a:prstGeom prst="rect">
+            <a:avLst/>
+          </a:prstGeom>
+          <a:noFill/>
+        </p:spPr>
+        <p:txBody>
+          <a:bodyPr wrap="none" rtlCol="0">
+            <a:spAutoFit/>
+          </a:bodyPr>
+          <a:lstStyle/>
+          <a:p>
+            <a:pPr algn="ctr"/>
+            <a:r>
+              <a:rPr lang="en-US" sz="4000" b="1" dirty="0">
+                <a:latin typeface="Helvetica" pitchFamily="2" charset="0"/>
+              </a:rPr>
+              <a:t>Before</a:t>
+            </a:r>
+          </a:p>
+        </p:txBody>
+      </p:sp>
+      <p:cxnSp>
+        <p:nvCxnSpPr>
+          <p:cNvPr id="17" name="Straight Arrow Connector 16">
+            <a:extLst>
+              <a:ext uri="{FF2B5EF4-FFF2-40B4-BE49-F238E27FC236}">
+                <a16:creationId xmlns:a16="http://schemas.microsoft.com/office/drawing/2014/main" id="{737671D4-B127-4A44-B0DA-D8B751A9A04E}"/>
+              </a:ext>
+            </a:extLst>
+          </p:cNvPr>
+          <p:cNvCxnSpPr>
+            <a:cxnSpLocks/>
+          </p:cNvCxnSpPr>
+          <p:nvPr/>
+        </p:nvCxnSpPr>
+        <p:spPr>
+          <a:xfrm>
+            <a:off x="2775646" y="6168211"/>
+            <a:ext cx="2108034" cy="0"/>
+          </a:xfrm>
+          <a:prstGeom prst="straightConnector1">
+            <a:avLst/>
+          </a:prstGeom>
+          <a:ln w="50800">
+            <a:solidFill>
+              <a:schemeClr val="tx1"/>
+            </a:solidFill>
+            <a:tailEnd type="triangle"/>
+          </a:ln>
+        </p:spPr>
+        <p:style>
+          <a:lnRef idx="1">
+            <a:schemeClr val="accent1"/>
+          </a:lnRef>
+          <a:fillRef idx="0">
+            <a:schemeClr val="accent1"/>
+          </a:fillRef>
+          <a:effectRef idx="0">
+            <a:schemeClr val="accent1"/>
+          </a:effectRef>
+          <a:fontRef idx="minor">
+            <a:schemeClr val="tx1"/>
+          </a:fontRef>
+        </p:style>
+      </p:cxnSp>
+      <p:sp>
+        <p:nvSpPr>
+          <p:cNvPr id="20" name="Rectangle 19">
+            <a:extLst>
+              <a:ext uri="{FF2B5EF4-FFF2-40B4-BE49-F238E27FC236}">
+                <a16:creationId xmlns:a16="http://schemas.microsoft.com/office/drawing/2014/main" id="{D949724A-47AC-A148-A624-69205EF35573}"/>
+              </a:ext>
+            </a:extLst>
+          </p:cNvPr>
+          <p:cNvSpPr/>
+          <p:nvPr/>
+        </p:nvSpPr>
+        <p:spPr>
+          <a:xfrm>
+            <a:off x="4883680" y="5506492"/>
+            <a:ext cx="2625556" cy="1323439"/>
+          </a:xfrm>
+          <a:prstGeom prst="rect">
+            <a:avLst/>
+          </a:prstGeom>
+          <a:noFill/>
+        </p:spPr>
+        <p:txBody>
+          <a:bodyPr wrap="square" lIns="91440" tIns="45720" rIns="91440" bIns="45720">
+            <a:spAutoFit/>
+          </a:bodyPr>
+          <a:lstStyle/>
+          <a:p>
+            <a:pPr algn="ctr"/>
+            <a:r>
+              <a:rPr lang="en-US" sz="4000" b="1" cap="none" spc="0" dirty="0">
+                <a:ln w="10160">
+                  <a:solidFill>
+                    <a:schemeClr val="tx1"/>
+                  </a:solidFill>
+                  <a:prstDash val="solid"/>
+                </a:ln>
+                <a:noFill/>
+                <a:latin typeface="Helvetica" pitchFamily="2" charset="0"/>
+              </a:rPr>
+              <a:t>After Removal</a:t>
+            </a:r>
+            <a:endParaRPr lang="en-US" sz="4000" b="1" cap="none" spc="0" dirty="0">
+              <a:ln w="10160">
+                <a:solidFill>
+                  <a:schemeClr val="tx1"/>
+                </a:solidFill>
+                <a:prstDash val="solid"/>
+              </a:ln>
+              <a:noFill/>
+            </a:endParaRPr>
+          </a:p>
+        </p:txBody>
+      </p:sp>
     </p:spTree>
     <p:extLst>
       <p:ext uri="{BB962C8B-B14F-4D97-AF65-F5344CB8AC3E}">
